--- a/COMP 4441 Final Project.pptx
+++ b/COMP 4441 Final Project.pptx
@@ -15,16 +15,16 @@
     <p:sldId id="289" r:id="rId6"/>
     <p:sldId id="283" r:id="rId7"/>
     <p:sldId id="284" r:id="rId8"/>
-    <p:sldId id="282" r:id="rId9"/>
-    <p:sldId id="277" r:id="rId10"/>
-    <p:sldId id="278" r:id="rId11"/>
-    <p:sldId id="279" r:id="rId12"/>
-    <p:sldId id="280" r:id="rId13"/>
+    <p:sldId id="290" r:id="rId9"/>
+    <p:sldId id="282" r:id="rId10"/>
+    <p:sldId id="277" r:id="rId11"/>
+    <p:sldId id="278" r:id="rId12"/>
+    <p:sldId id="279" r:id="rId13"/>
     <p:sldId id="281" r:id="rId14"/>
     <p:sldId id="286" r:id="rId15"/>
-    <p:sldId id="290" r:id="rId16"/>
-    <p:sldId id="285" r:id="rId17"/>
-    <p:sldId id="287" r:id="rId18"/>
+    <p:sldId id="285" r:id="rId16"/>
+    <p:sldId id="287" r:id="rId17"/>
+    <p:sldId id="280" r:id="rId18"/>
   </p:sldIdLst>
   <p:sldSz cx="12192000" cy="6858000"/>
   <p:notesSz cx="6858000" cy="9144000"/>
@@ -213,7 +213,7 @@
           <a:p>
             <a:fld id="{0899C1D7-0031-1541-AA63-7FAEC1216BBD}" type="datetimeFigureOut">
               <a:rPr lang="en-US" smtClean="0"/>
-              <a:t>8/17/2021</a:t>
+              <a:t>8/18/2021</a:t>
             </a:fld>
             <a:endParaRPr lang="en-US"/>
           </a:p>
@@ -480,6 +480,820 @@
 </p:notesMaster>
 </file>
 
+<file path=ppt/notesSlides/notesSlide1.xml><?xml version="1.0" encoding="utf-8"?>
+<p:notes xmlns:a="http://schemas.openxmlformats.org/drawingml/2006/main" xmlns:r="http://schemas.openxmlformats.org/officeDocument/2006/relationships" xmlns:p="http://schemas.openxmlformats.org/presentationml/2006/main">
+  <p:cSld>
+    <p:spTree>
+      <p:nvGrpSpPr>
+        <p:cNvPr id="1" name=""/>
+        <p:cNvGrpSpPr/>
+        <p:nvPr/>
+      </p:nvGrpSpPr>
+      <p:grpSpPr>
+        <a:xfrm>
+          <a:off x="0" y="0"/>
+          <a:ext cx="0" cy="0"/>
+          <a:chOff x="0" y="0"/>
+          <a:chExt cx="0" cy="0"/>
+        </a:xfrm>
+      </p:grpSpPr>
+      <p:sp>
+        <p:nvSpPr>
+          <p:cNvPr id="2" name="Slide Image Placeholder 1"/>
+          <p:cNvSpPr>
+            <a:spLocks noGrp="1" noRot="1" noChangeAspect="1"/>
+          </p:cNvSpPr>
+          <p:nvPr>
+            <p:ph type="sldImg"/>
+          </p:nvPr>
+        </p:nvSpPr>
+        <p:spPr/>
+      </p:sp>
+      <p:sp>
+        <p:nvSpPr>
+          <p:cNvPr id="3" name="Notes Placeholder 2"/>
+          <p:cNvSpPr>
+            <a:spLocks noGrp="1"/>
+          </p:cNvSpPr>
+          <p:nvPr>
+            <p:ph type="body" idx="1"/>
+          </p:nvPr>
+        </p:nvSpPr>
+        <p:spPr/>
+        <p:txBody>
+          <a:bodyPr/>
+          <a:lstStyle/>
+          <a:p>
+            <a:r>
+              <a:rPr lang="en-US" dirty="0"/>
+              <a:t>Considered essential business</a:t>
+            </a:r>
+          </a:p>
+          <a:p>
+            <a:r>
+              <a:rPr lang="en-US" dirty="0"/>
+              <a:t>No disruption in sales</a:t>
+            </a:r>
+          </a:p>
+        </p:txBody>
+      </p:sp>
+      <p:sp>
+        <p:nvSpPr>
+          <p:cNvPr id="4" name="Slide Number Placeholder 3"/>
+          <p:cNvSpPr>
+            <a:spLocks noGrp="1"/>
+          </p:cNvSpPr>
+          <p:nvPr>
+            <p:ph type="sldNum" sz="quarter" idx="5"/>
+          </p:nvPr>
+        </p:nvSpPr>
+        <p:spPr/>
+        <p:txBody>
+          <a:bodyPr/>
+          <a:lstStyle/>
+          <a:p>
+            <a:fld id="{5CD270A4-E417-1544-8D83-51C2B4F7CE0F}" type="slidenum">
+              <a:rPr lang="en-US" smtClean="0"/>
+              <a:t>3</a:t>
+            </a:fld>
+            <a:endParaRPr lang="en-US"/>
+          </a:p>
+        </p:txBody>
+      </p:sp>
+    </p:spTree>
+    <p:extLst>
+      <p:ext uri="{BB962C8B-B14F-4D97-AF65-F5344CB8AC3E}">
+        <p14:creationId xmlns:p14="http://schemas.microsoft.com/office/powerpoint/2010/main" val="3348460656"/>
+      </p:ext>
+    </p:extLst>
+  </p:cSld>
+  <p:clrMapOvr>
+    <a:masterClrMapping/>
+  </p:clrMapOvr>
+</p:notes>
+</file>
+
+<file path=ppt/notesSlides/notesSlide2.xml><?xml version="1.0" encoding="utf-8"?>
+<p:notes xmlns:a="http://schemas.openxmlformats.org/drawingml/2006/main" xmlns:r="http://schemas.openxmlformats.org/officeDocument/2006/relationships" xmlns:p="http://schemas.openxmlformats.org/presentationml/2006/main">
+  <p:cSld>
+    <p:spTree>
+      <p:nvGrpSpPr>
+        <p:cNvPr id="1" name=""/>
+        <p:cNvGrpSpPr/>
+        <p:nvPr/>
+      </p:nvGrpSpPr>
+      <p:grpSpPr>
+        <a:xfrm>
+          <a:off x="0" y="0"/>
+          <a:ext cx="0" cy="0"/>
+          <a:chOff x="0" y="0"/>
+          <a:chExt cx="0" cy="0"/>
+        </a:xfrm>
+      </p:grpSpPr>
+      <p:sp>
+        <p:nvSpPr>
+          <p:cNvPr id="2" name="Slide Image Placeholder 1"/>
+          <p:cNvSpPr>
+            <a:spLocks noGrp="1" noRot="1" noChangeAspect="1"/>
+          </p:cNvSpPr>
+          <p:nvPr>
+            <p:ph type="sldImg"/>
+          </p:nvPr>
+        </p:nvSpPr>
+        <p:spPr/>
+      </p:sp>
+      <p:sp>
+        <p:nvSpPr>
+          <p:cNvPr id="3" name="Notes Placeholder 2"/>
+          <p:cNvSpPr>
+            <a:spLocks noGrp="1"/>
+          </p:cNvSpPr>
+          <p:nvPr>
+            <p:ph type="body" idx="1"/>
+          </p:nvPr>
+        </p:nvSpPr>
+        <p:spPr/>
+        <p:txBody>
+          <a:bodyPr/>
+          <a:lstStyle/>
+          <a:p>
+            <a:r>
+              <a:rPr lang="en-US" dirty="0"/>
+              <a:t>To validate and give a visual to our Chow Test results, we plotted a linear model to our two groups of data separated by the lockdown point</a:t>
+            </a:r>
+          </a:p>
+          <a:p>
+            <a:r>
+              <a:rPr lang="en-US" dirty="0"/>
+              <a:t>Looking back at our Adjusted Retail Sales data </a:t>
+            </a:r>
+          </a:p>
+        </p:txBody>
+      </p:sp>
+      <p:sp>
+        <p:nvSpPr>
+          <p:cNvPr id="4" name="Slide Number Placeholder 3"/>
+          <p:cNvSpPr>
+            <a:spLocks noGrp="1"/>
+          </p:cNvSpPr>
+          <p:nvPr>
+            <p:ph type="sldNum" sz="quarter" idx="5"/>
+          </p:nvPr>
+        </p:nvSpPr>
+        <p:spPr/>
+        <p:txBody>
+          <a:bodyPr/>
+          <a:lstStyle/>
+          <a:p>
+            <a:fld id="{5CD270A4-E417-1544-8D83-51C2B4F7CE0F}" type="slidenum">
+              <a:rPr lang="en-US" smtClean="0"/>
+              <a:t>9</a:t>
+            </a:fld>
+            <a:endParaRPr lang="en-US"/>
+          </a:p>
+        </p:txBody>
+      </p:sp>
+    </p:spTree>
+    <p:extLst>
+      <p:ext uri="{BB962C8B-B14F-4D97-AF65-F5344CB8AC3E}">
+        <p14:creationId xmlns:p14="http://schemas.microsoft.com/office/powerpoint/2010/main" val="436495633"/>
+      </p:ext>
+    </p:extLst>
+  </p:cSld>
+  <p:clrMapOvr>
+    <a:masterClrMapping/>
+  </p:clrMapOvr>
+</p:notes>
+</file>
+
+<file path=ppt/notesSlides/notesSlide3.xml><?xml version="1.0" encoding="utf-8"?>
+<p:notes xmlns:a="http://schemas.openxmlformats.org/drawingml/2006/main" xmlns:r="http://schemas.openxmlformats.org/officeDocument/2006/relationships" xmlns:p="http://schemas.openxmlformats.org/presentationml/2006/main">
+  <p:cSld>
+    <p:spTree>
+      <p:nvGrpSpPr>
+        <p:cNvPr id="1" name=""/>
+        <p:cNvGrpSpPr/>
+        <p:nvPr/>
+      </p:nvGrpSpPr>
+      <p:grpSpPr>
+        <a:xfrm>
+          <a:off x="0" y="0"/>
+          <a:ext cx="0" cy="0"/>
+          <a:chOff x="0" y="0"/>
+          <a:chExt cx="0" cy="0"/>
+        </a:xfrm>
+      </p:grpSpPr>
+      <p:sp>
+        <p:nvSpPr>
+          <p:cNvPr id="2" name="Slide Image Placeholder 1"/>
+          <p:cNvSpPr>
+            <a:spLocks noGrp="1" noRot="1" noChangeAspect="1"/>
+          </p:cNvSpPr>
+          <p:nvPr>
+            <p:ph type="sldImg"/>
+          </p:nvPr>
+        </p:nvSpPr>
+        <p:spPr/>
+      </p:sp>
+      <p:sp>
+        <p:nvSpPr>
+          <p:cNvPr id="3" name="Notes Placeholder 2"/>
+          <p:cNvSpPr>
+            <a:spLocks noGrp="1"/>
+          </p:cNvSpPr>
+          <p:nvPr>
+            <p:ph type="body" idx="1"/>
+          </p:nvPr>
+        </p:nvSpPr>
+        <p:spPr/>
+        <p:txBody>
+          <a:bodyPr/>
+          <a:lstStyle/>
+          <a:p>
+            <a:r>
+              <a:rPr lang="en-US" dirty="0"/>
+              <a:t>Here is the single linear model over the whole time period</a:t>
+            </a:r>
+          </a:p>
+          <a:p>
+            <a:r>
+              <a:rPr lang="en-US" dirty="0"/>
+              <a:t>*The intercept is so large because R stores date objects as numeric values for computation purposes</a:t>
+            </a:r>
+          </a:p>
+        </p:txBody>
+      </p:sp>
+      <p:sp>
+        <p:nvSpPr>
+          <p:cNvPr id="4" name="Slide Number Placeholder 3"/>
+          <p:cNvSpPr>
+            <a:spLocks noGrp="1"/>
+          </p:cNvSpPr>
+          <p:nvPr>
+            <p:ph type="sldNum" sz="quarter" idx="5"/>
+          </p:nvPr>
+        </p:nvSpPr>
+        <p:spPr/>
+        <p:txBody>
+          <a:bodyPr/>
+          <a:lstStyle/>
+          <a:p>
+            <a:fld id="{5CD270A4-E417-1544-8D83-51C2B4F7CE0F}" type="slidenum">
+              <a:rPr lang="en-US" smtClean="0"/>
+              <a:t>10</a:t>
+            </a:fld>
+            <a:endParaRPr lang="en-US"/>
+          </a:p>
+        </p:txBody>
+      </p:sp>
+    </p:spTree>
+    <p:extLst>
+      <p:ext uri="{BB962C8B-B14F-4D97-AF65-F5344CB8AC3E}">
+        <p14:creationId xmlns:p14="http://schemas.microsoft.com/office/powerpoint/2010/main" val="635398013"/>
+      </p:ext>
+    </p:extLst>
+  </p:cSld>
+  <p:clrMapOvr>
+    <a:masterClrMapping/>
+  </p:clrMapOvr>
+</p:notes>
+</file>
+
+<file path=ppt/notesSlides/notesSlide4.xml><?xml version="1.0" encoding="utf-8"?>
+<p:notes xmlns:a="http://schemas.openxmlformats.org/drawingml/2006/main" xmlns:r="http://schemas.openxmlformats.org/officeDocument/2006/relationships" xmlns:p="http://schemas.openxmlformats.org/presentationml/2006/main">
+  <p:cSld>
+    <p:spTree>
+      <p:nvGrpSpPr>
+        <p:cNvPr id="1" name=""/>
+        <p:cNvGrpSpPr/>
+        <p:nvPr/>
+      </p:nvGrpSpPr>
+      <p:grpSpPr>
+        <a:xfrm>
+          <a:off x="0" y="0"/>
+          <a:ext cx="0" cy="0"/>
+          <a:chOff x="0" y="0"/>
+          <a:chExt cx="0" cy="0"/>
+        </a:xfrm>
+      </p:grpSpPr>
+      <p:sp>
+        <p:nvSpPr>
+          <p:cNvPr id="2" name="Slide Image Placeholder 1"/>
+          <p:cNvSpPr>
+            <a:spLocks noGrp="1" noRot="1" noChangeAspect="1"/>
+          </p:cNvSpPr>
+          <p:nvPr>
+            <p:ph type="sldImg"/>
+          </p:nvPr>
+        </p:nvSpPr>
+        <p:spPr/>
+      </p:sp>
+      <p:sp>
+        <p:nvSpPr>
+          <p:cNvPr id="3" name="Notes Placeholder 2"/>
+          <p:cNvSpPr>
+            <a:spLocks noGrp="1"/>
+          </p:cNvSpPr>
+          <p:nvPr>
+            <p:ph type="body" idx="1"/>
+          </p:nvPr>
+        </p:nvSpPr>
+        <p:spPr/>
+        <p:txBody>
+          <a:bodyPr/>
+          <a:lstStyle/>
+          <a:p>
+            <a:r>
+              <a:rPr lang="en-US" dirty="0"/>
+              <a:t>So, now breaking our data into pre and post lockdown time periods we can show the different regression lines for each.</a:t>
+            </a:r>
+          </a:p>
+          <a:p>
+            <a:endParaRPr lang="en-US" dirty="0"/>
+          </a:p>
+          <a:p>
+            <a:r>
+              <a:rPr lang="en-US" dirty="0"/>
+              <a:t>Here is our pre period with the associated coefficient values</a:t>
+            </a:r>
+          </a:p>
+        </p:txBody>
+      </p:sp>
+      <p:sp>
+        <p:nvSpPr>
+          <p:cNvPr id="4" name="Slide Number Placeholder 3"/>
+          <p:cNvSpPr>
+            <a:spLocks noGrp="1"/>
+          </p:cNvSpPr>
+          <p:nvPr>
+            <p:ph type="sldNum" sz="quarter" idx="5"/>
+          </p:nvPr>
+        </p:nvSpPr>
+        <p:spPr/>
+        <p:txBody>
+          <a:bodyPr/>
+          <a:lstStyle/>
+          <a:p>
+            <a:fld id="{5CD270A4-E417-1544-8D83-51C2B4F7CE0F}" type="slidenum">
+              <a:rPr lang="en-US" smtClean="0"/>
+              <a:t>11</a:t>
+            </a:fld>
+            <a:endParaRPr lang="en-US"/>
+          </a:p>
+        </p:txBody>
+      </p:sp>
+    </p:spTree>
+    <p:extLst>
+      <p:ext uri="{BB962C8B-B14F-4D97-AF65-F5344CB8AC3E}">
+        <p14:creationId xmlns:p14="http://schemas.microsoft.com/office/powerpoint/2010/main" val="3955761001"/>
+      </p:ext>
+    </p:extLst>
+  </p:cSld>
+  <p:clrMapOvr>
+    <a:masterClrMapping/>
+  </p:clrMapOvr>
+</p:notes>
+</file>
+
+<file path=ppt/notesSlides/notesSlide5.xml><?xml version="1.0" encoding="utf-8"?>
+<p:notes xmlns:a="http://schemas.openxmlformats.org/drawingml/2006/main" xmlns:r="http://schemas.openxmlformats.org/officeDocument/2006/relationships" xmlns:p="http://schemas.openxmlformats.org/presentationml/2006/main">
+  <p:cSld>
+    <p:spTree>
+      <p:nvGrpSpPr>
+        <p:cNvPr id="1" name=""/>
+        <p:cNvGrpSpPr/>
+        <p:nvPr/>
+      </p:nvGrpSpPr>
+      <p:grpSpPr>
+        <a:xfrm>
+          <a:off x="0" y="0"/>
+          <a:ext cx="0" cy="0"/>
+          <a:chOff x="0" y="0"/>
+          <a:chExt cx="0" cy="0"/>
+        </a:xfrm>
+      </p:grpSpPr>
+      <p:sp>
+        <p:nvSpPr>
+          <p:cNvPr id="2" name="Slide Image Placeholder 1"/>
+          <p:cNvSpPr>
+            <a:spLocks noGrp="1" noRot="1" noChangeAspect="1"/>
+          </p:cNvSpPr>
+          <p:nvPr>
+            <p:ph type="sldImg"/>
+          </p:nvPr>
+        </p:nvSpPr>
+        <p:spPr/>
+      </p:sp>
+      <p:sp>
+        <p:nvSpPr>
+          <p:cNvPr id="3" name="Notes Placeholder 2"/>
+          <p:cNvSpPr>
+            <a:spLocks noGrp="1"/>
+          </p:cNvSpPr>
+          <p:nvPr>
+            <p:ph type="body" idx="1"/>
+          </p:nvPr>
+        </p:nvSpPr>
+        <p:spPr/>
+        <p:txBody>
+          <a:bodyPr/>
+          <a:lstStyle/>
+          <a:p>
+            <a:r>
+              <a:rPr lang="en-US" dirty="0"/>
+              <a:t>And here is our post period with the associated coefficient values.</a:t>
+            </a:r>
+          </a:p>
+          <a:p>
+            <a:endParaRPr lang="en-US" dirty="0"/>
+          </a:p>
+          <a:p>
+            <a:r>
+              <a:rPr lang="en-US" dirty="0"/>
+              <a:t>We can see from the coefficient values that there is a definite difference in the trends</a:t>
+            </a:r>
+          </a:p>
+        </p:txBody>
+      </p:sp>
+      <p:sp>
+        <p:nvSpPr>
+          <p:cNvPr id="4" name="Slide Number Placeholder 3"/>
+          <p:cNvSpPr>
+            <a:spLocks noGrp="1"/>
+          </p:cNvSpPr>
+          <p:nvPr>
+            <p:ph type="sldNum" sz="quarter" idx="5"/>
+          </p:nvPr>
+        </p:nvSpPr>
+        <p:spPr/>
+        <p:txBody>
+          <a:bodyPr/>
+          <a:lstStyle/>
+          <a:p>
+            <a:fld id="{5CD270A4-E417-1544-8D83-51C2B4F7CE0F}" type="slidenum">
+              <a:rPr lang="en-US" smtClean="0"/>
+              <a:t>12</a:t>
+            </a:fld>
+            <a:endParaRPr lang="en-US"/>
+          </a:p>
+        </p:txBody>
+      </p:sp>
+    </p:spTree>
+    <p:extLst>
+      <p:ext uri="{BB962C8B-B14F-4D97-AF65-F5344CB8AC3E}">
+        <p14:creationId xmlns:p14="http://schemas.microsoft.com/office/powerpoint/2010/main" val="960492243"/>
+      </p:ext>
+    </p:extLst>
+  </p:cSld>
+  <p:clrMapOvr>
+    <a:masterClrMapping/>
+  </p:clrMapOvr>
+</p:notes>
+</file>
+
+<file path=ppt/notesSlides/notesSlide6.xml><?xml version="1.0" encoding="utf-8"?>
+<p:notes xmlns:a="http://schemas.openxmlformats.org/drawingml/2006/main" xmlns:r="http://schemas.openxmlformats.org/officeDocument/2006/relationships" xmlns:p="http://schemas.openxmlformats.org/presentationml/2006/main">
+  <p:cSld>
+    <p:spTree>
+      <p:nvGrpSpPr>
+        <p:cNvPr id="1" name=""/>
+        <p:cNvGrpSpPr/>
+        <p:nvPr/>
+      </p:nvGrpSpPr>
+      <p:grpSpPr>
+        <a:xfrm>
+          <a:off x="0" y="0"/>
+          <a:ext cx="0" cy="0"/>
+          <a:chOff x="0" y="0"/>
+          <a:chExt cx="0" cy="0"/>
+        </a:xfrm>
+      </p:grpSpPr>
+      <p:sp>
+        <p:nvSpPr>
+          <p:cNvPr id="2" name="Slide Image Placeholder 1"/>
+          <p:cNvSpPr>
+            <a:spLocks noGrp="1" noRot="1" noChangeAspect="1"/>
+          </p:cNvSpPr>
+          <p:nvPr>
+            <p:ph type="sldImg"/>
+          </p:nvPr>
+        </p:nvSpPr>
+        <p:spPr/>
+      </p:sp>
+      <p:sp>
+        <p:nvSpPr>
+          <p:cNvPr id="3" name="Notes Placeholder 2"/>
+          <p:cNvSpPr>
+            <a:spLocks noGrp="1"/>
+          </p:cNvSpPr>
+          <p:nvPr>
+            <p:ph type="body" idx="1"/>
+          </p:nvPr>
+        </p:nvSpPr>
+        <p:spPr/>
+        <p:txBody>
+          <a:bodyPr/>
+          <a:lstStyle/>
+          <a:p>
+            <a:r>
+              <a:rPr lang="en-US" dirty="0"/>
+              <a:t>And both trends on our sales data with lockdown time marker.</a:t>
+            </a:r>
+          </a:p>
+          <a:p>
+            <a:endParaRPr lang="en-US" dirty="0"/>
+          </a:p>
+          <a:p>
+            <a:r>
+              <a:rPr lang="en-US" dirty="0"/>
+              <a:t>Along with the numerical coefficient differences, it is easy to tell from the sales plot with the trend lines that there was a trend shift at the point of significance.</a:t>
+            </a:r>
+          </a:p>
+          <a:p>
+            <a:endParaRPr lang="en-US" dirty="0"/>
+          </a:p>
+          <a:p>
+            <a:r>
+              <a:rPr lang="en-US" dirty="0"/>
+              <a:t>Since we had the reported covid case data, we decided to see how those data compared to the sales numbers, too</a:t>
+            </a:r>
+          </a:p>
+        </p:txBody>
+      </p:sp>
+      <p:sp>
+        <p:nvSpPr>
+          <p:cNvPr id="4" name="Slide Number Placeholder 3"/>
+          <p:cNvSpPr>
+            <a:spLocks noGrp="1"/>
+          </p:cNvSpPr>
+          <p:nvPr>
+            <p:ph type="sldNum" sz="quarter" idx="5"/>
+          </p:nvPr>
+        </p:nvSpPr>
+        <p:spPr/>
+        <p:txBody>
+          <a:bodyPr/>
+          <a:lstStyle/>
+          <a:p>
+            <a:fld id="{5CD270A4-E417-1544-8D83-51C2B4F7CE0F}" type="slidenum">
+              <a:rPr lang="en-US" smtClean="0"/>
+              <a:t>13</a:t>
+            </a:fld>
+            <a:endParaRPr lang="en-US"/>
+          </a:p>
+        </p:txBody>
+      </p:sp>
+    </p:spTree>
+    <p:extLst>
+      <p:ext uri="{BB962C8B-B14F-4D97-AF65-F5344CB8AC3E}">
+        <p14:creationId xmlns:p14="http://schemas.microsoft.com/office/powerpoint/2010/main" val="518739571"/>
+      </p:ext>
+    </p:extLst>
+  </p:cSld>
+  <p:clrMapOvr>
+    <a:masterClrMapping/>
+  </p:clrMapOvr>
+</p:notes>
+</file>
+
+<file path=ppt/notesSlides/notesSlide7.xml><?xml version="1.0" encoding="utf-8"?>
+<p:notes xmlns:a="http://schemas.openxmlformats.org/drawingml/2006/main" xmlns:r="http://schemas.openxmlformats.org/officeDocument/2006/relationships" xmlns:p="http://schemas.openxmlformats.org/presentationml/2006/main">
+  <p:cSld>
+    <p:spTree>
+      <p:nvGrpSpPr>
+        <p:cNvPr id="1" name=""/>
+        <p:cNvGrpSpPr/>
+        <p:nvPr/>
+      </p:nvGrpSpPr>
+      <p:grpSpPr>
+        <a:xfrm>
+          <a:off x="0" y="0"/>
+          <a:ext cx="0" cy="0"/>
+          <a:chOff x="0" y="0"/>
+          <a:chExt cx="0" cy="0"/>
+        </a:xfrm>
+      </p:grpSpPr>
+      <p:sp>
+        <p:nvSpPr>
+          <p:cNvPr id="2" name="Slide Image Placeholder 1"/>
+          <p:cNvSpPr>
+            <a:spLocks noGrp="1" noRot="1" noChangeAspect="1"/>
+          </p:cNvSpPr>
+          <p:nvPr>
+            <p:ph type="sldImg"/>
+          </p:nvPr>
+        </p:nvSpPr>
+        <p:spPr/>
+      </p:sp>
+      <p:sp>
+        <p:nvSpPr>
+          <p:cNvPr id="3" name="Notes Placeholder 2"/>
+          <p:cNvSpPr>
+            <a:spLocks noGrp="1"/>
+          </p:cNvSpPr>
+          <p:nvPr>
+            <p:ph type="body" idx="1"/>
+          </p:nvPr>
+        </p:nvSpPr>
+        <p:spPr/>
+        <p:txBody>
+          <a:bodyPr/>
+          <a:lstStyle/>
+          <a:p>
+            <a:r>
+              <a:rPr lang="en-US" dirty="0"/>
+              <a:t>This plot shows the Covid and sales numbers after the pandemic began.</a:t>
+            </a:r>
+          </a:p>
+          <a:p>
+            <a:endParaRPr lang="en-US" dirty="0"/>
+          </a:p>
+          <a:p>
+            <a:r>
+              <a:rPr lang="en-US" dirty="0"/>
+              <a:t>There did not appear to be a visual correlation</a:t>
+            </a:r>
+          </a:p>
+        </p:txBody>
+      </p:sp>
+      <p:sp>
+        <p:nvSpPr>
+          <p:cNvPr id="4" name="Slide Number Placeholder 3"/>
+          <p:cNvSpPr>
+            <a:spLocks noGrp="1"/>
+          </p:cNvSpPr>
+          <p:nvPr>
+            <p:ph type="sldNum" sz="quarter" idx="5"/>
+          </p:nvPr>
+        </p:nvSpPr>
+        <p:spPr/>
+        <p:txBody>
+          <a:bodyPr/>
+          <a:lstStyle/>
+          <a:p>
+            <a:fld id="{5CD270A4-E417-1544-8D83-51C2B4F7CE0F}" type="slidenum">
+              <a:rPr lang="en-US" smtClean="0"/>
+              <a:t>14</a:t>
+            </a:fld>
+            <a:endParaRPr lang="en-US"/>
+          </a:p>
+        </p:txBody>
+      </p:sp>
+    </p:spTree>
+    <p:extLst>
+      <p:ext uri="{BB962C8B-B14F-4D97-AF65-F5344CB8AC3E}">
+        <p14:creationId xmlns:p14="http://schemas.microsoft.com/office/powerpoint/2010/main" val="1614741157"/>
+      </p:ext>
+    </p:extLst>
+  </p:cSld>
+  <p:clrMapOvr>
+    <a:masterClrMapping/>
+  </p:clrMapOvr>
+</p:notes>
+</file>
+
+<file path=ppt/notesSlides/notesSlide8.xml><?xml version="1.0" encoding="utf-8"?>
+<p:notes xmlns:a="http://schemas.openxmlformats.org/drawingml/2006/main" xmlns:r="http://schemas.openxmlformats.org/officeDocument/2006/relationships" xmlns:p="http://schemas.openxmlformats.org/presentationml/2006/main">
+  <p:cSld>
+    <p:spTree>
+      <p:nvGrpSpPr>
+        <p:cNvPr id="1" name=""/>
+        <p:cNvGrpSpPr/>
+        <p:nvPr/>
+      </p:nvGrpSpPr>
+      <p:grpSpPr>
+        <a:xfrm>
+          <a:off x="0" y="0"/>
+          <a:ext cx="0" cy="0"/>
+          <a:chOff x="0" y="0"/>
+          <a:chExt cx="0" cy="0"/>
+        </a:xfrm>
+      </p:grpSpPr>
+      <p:sp>
+        <p:nvSpPr>
+          <p:cNvPr id="2" name="Slide Image Placeholder 1"/>
+          <p:cNvSpPr>
+            <a:spLocks noGrp="1" noRot="1" noChangeAspect="1"/>
+          </p:cNvSpPr>
+          <p:nvPr>
+            <p:ph type="sldImg"/>
+          </p:nvPr>
+        </p:nvSpPr>
+        <p:spPr/>
+      </p:sp>
+      <p:sp>
+        <p:nvSpPr>
+          <p:cNvPr id="3" name="Notes Placeholder 2"/>
+          <p:cNvSpPr>
+            <a:spLocks noGrp="1"/>
+          </p:cNvSpPr>
+          <p:nvPr>
+            <p:ph type="body" idx="1"/>
+          </p:nvPr>
+        </p:nvSpPr>
+        <p:spPr/>
+        <p:txBody>
+          <a:bodyPr/>
+          <a:lstStyle/>
+          <a:p>
+            <a:r>
+              <a:rPr lang="en-US" dirty="0"/>
+              <a:t>There did appear to be a positive change in marijuana sales on a state level from the covid stay at home lockdowns</a:t>
+            </a:r>
+          </a:p>
+          <a:p>
+            <a:endParaRPr lang="en-US" dirty="0"/>
+          </a:p>
+          <a:p>
+            <a:r>
+              <a:rPr lang="en-US" dirty="0"/>
+              <a:t>While not every county showed an increase of marijuana sales, highly populated counties had significant increases resulting in the state wide trend</a:t>
+            </a:r>
+          </a:p>
+          <a:p>
+            <a:endParaRPr lang="en-US" dirty="0"/>
+          </a:p>
+          <a:p>
+            <a:pPr marL="0" marR="0" lvl="0" indent="0" algn="l" defTabSz="914400" rtl="0" eaLnBrk="1" fontAlgn="auto" latinLnBrk="0" hangingPunct="1">
+              <a:lnSpc>
+                <a:spcPct val="100000"/>
+              </a:lnSpc>
+              <a:spcBef>
+                <a:spcPts val="0"/>
+              </a:spcBef>
+              <a:spcAft>
+                <a:spcPts val="0"/>
+              </a:spcAft>
+              <a:buClrTx/>
+              <a:buSzTx/>
+              <a:buFontTx/>
+              <a:buNone/>
+              <a:tabLst/>
+              <a:defRPr/>
+            </a:pPr>
+            <a:r>
+              <a:rPr lang="en-US" dirty="0">
+                <a:solidFill>
+                  <a:schemeClr val="tx2"/>
+                </a:solidFill>
+              </a:rPr>
+              <a:t>When comparing the lockdowns and cases of covid to marijuana sales, data suggests that the lockdowns showed more of a relation to sales increases than covid</a:t>
+            </a:r>
+            <a:endParaRPr lang="en-US" dirty="0"/>
+          </a:p>
+          <a:p>
+            <a:endParaRPr lang="en-US" dirty="0"/>
+          </a:p>
+          <a:p>
+            <a:r>
+              <a:rPr lang="en-US" dirty="0"/>
+              <a:t>And lastly:</a:t>
+            </a:r>
+          </a:p>
+          <a:p>
+            <a:r>
+              <a:rPr lang="en-US" dirty="0"/>
+              <a:t>Further research could be done at a county level to investigate what factors led to increased sales after lockdown orders were issued</a:t>
+            </a:r>
+          </a:p>
+        </p:txBody>
+      </p:sp>
+      <p:sp>
+        <p:nvSpPr>
+          <p:cNvPr id="4" name="Slide Number Placeholder 3"/>
+          <p:cNvSpPr>
+            <a:spLocks noGrp="1"/>
+          </p:cNvSpPr>
+          <p:nvPr>
+            <p:ph type="sldNum" sz="quarter" idx="5"/>
+          </p:nvPr>
+        </p:nvSpPr>
+        <p:spPr/>
+        <p:txBody>
+          <a:bodyPr/>
+          <a:lstStyle/>
+          <a:p>
+            <a:fld id="{5CD270A4-E417-1544-8D83-51C2B4F7CE0F}" type="slidenum">
+              <a:rPr lang="en-US" smtClean="0"/>
+              <a:t>15</a:t>
+            </a:fld>
+            <a:endParaRPr lang="en-US"/>
+          </a:p>
+        </p:txBody>
+      </p:sp>
+    </p:spTree>
+    <p:extLst>
+      <p:ext uri="{BB962C8B-B14F-4D97-AF65-F5344CB8AC3E}">
+        <p14:creationId xmlns:p14="http://schemas.microsoft.com/office/powerpoint/2010/main" val="1730583733"/>
+      </p:ext>
+    </p:extLst>
+  </p:cSld>
+  <p:clrMapOvr>
+    <a:masterClrMapping/>
+  </p:clrMapOvr>
+</p:notes>
+</file>
+
 <file path=ppt/slideLayouts/slideLayout1.xml><?xml version="1.0" encoding="utf-8"?>
 <p:sldLayout xmlns:a="http://schemas.openxmlformats.org/drawingml/2006/main" xmlns:r="http://schemas.openxmlformats.org/officeDocument/2006/relationships" xmlns:p="http://schemas.openxmlformats.org/presentationml/2006/main" preserve="1" userDrawn="1">
   <p:cSld name="Two Content">
@@ -7083,7 +7897,7 @@
           <a:p>
             <a:fld id="{D386965C-165C-764D-B490-A5796C92088F}" type="datetimeFigureOut">
               <a:rPr lang="en-US" smtClean="0"/>
-              <a:t>8/17/2021</a:t>
+              <a:t>8/18/2021</a:t>
             </a:fld>
             <a:endParaRPr lang="en-US"/>
           </a:p>
@@ -7611,14 +8425,12 @@
         </p:nvSpPr>
         <p:spPr/>
         <p:txBody>
-          <a:bodyPr>
-            <a:noAutofit/>
-          </a:bodyPr>
+          <a:bodyPr/>
           <a:lstStyle/>
           <a:p>
             <a:r>
-              <a:rPr lang="en-US" sz="3600" dirty="0"/>
-              <a:t>Linear Model over Retail Sales – Pre Lockdown</a:t>
+              <a:rPr lang="en-US" dirty="0"/>
+              <a:t>Linear Model over Retail Sales</a:t>
             </a:r>
           </a:p>
         </p:txBody>
@@ -7655,7 +8467,7 @@
                   <a:schemeClr val="tx2"/>
                 </a:solidFill>
               </a:rPr>
-              <a:t>Intercept: -764228325</a:t>
+              <a:t>Intercept: -820223093</a:t>
             </a:r>
           </a:p>
           <a:p>
@@ -7665,17 +8477,17 @@
                   <a:schemeClr val="tx2"/>
                 </a:solidFill>
               </a:rPr>
-              <a:t>Slope: 448963.47</a:t>
+              <a:t>Slope: 52281.5</a:t>
             </a:r>
           </a:p>
         </p:txBody>
       </p:sp>
       <p:pic>
         <p:nvPicPr>
-          <p:cNvPr id="4100" name="Picture 4">
-            <a:extLst>
-              <a:ext uri="{FF2B5EF4-FFF2-40B4-BE49-F238E27FC236}">
-                <a16:creationId xmlns:a16="http://schemas.microsoft.com/office/drawing/2014/main" id="{2998BA91-B232-48E4-AD45-EC66DAEE902C}"/>
+          <p:cNvPr id="3076" name="Picture 4">
+            <a:extLst>
+              <a:ext uri="{FF2B5EF4-FFF2-40B4-BE49-F238E27FC236}">
+                <a16:creationId xmlns:a16="http://schemas.microsoft.com/office/drawing/2014/main" id="{F6CF6E8D-D808-49C1-82FD-B84E61AE200F}"/>
               </a:ext>
             </a:extLst>
           </p:cNvPr>
@@ -7685,7 +8497,7 @@
           <p:nvPr/>
         </p:nvPicPr>
         <p:blipFill>
-          <a:blip r:embed="rId2">
+          <a:blip r:embed="rId3">
             <a:extLst>
               <a:ext uri="{28A0092B-C50C-407E-A947-70E740481C1C}">
                 <a14:useLocalDpi xmlns:a14="http://schemas.microsoft.com/office/drawing/2010/main" val="0"/>
@@ -7699,8 +8511,8 @@
         </p:blipFill>
         <p:spPr bwMode="auto">
           <a:xfrm>
-            <a:off x="1108405" y="1871964"/>
-            <a:ext cx="6448197" cy="4605855"/>
+            <a:off x="711929" y="1816269"/>
+            <a:ext cx="6680671" cy="4771908"/>
           </a:xfrm>
           <a:prstGeom prst="rect">
             <a:avLst/>
@@ -7720,7 +8532,7 @@
     </p:spTree>
     <p:extLst>
       <p:ext uri="{BB962C8B-B14F-4D97-AF65-F5344CB8AC3E}">
-        <p14:creationId xmlns:p14="http://schemas.microsoft.com/office/powerpoint/2010/main" val="2534627131"/>
+        <p14:creationId xmlns:p14="http://schemas.microsoft.com/office/powerpoint/2010/main" val="3012283082"/>
       </p:ext>
     </p:extLst>
   </p:cSld>
@@ -7763,12 +8575,7 @@
             <p:ph type="title"/>
           </p:nvPr>
         </p:nvSpPr>
-        <p:spPr>
-          <a:xfrm>
-            <a:off x="711928" y="269823"/>
-            <a:ext cx="10622821" cy="1024139"/>
-          </a:xfrm>
-        </p:spPr>
+        <p:spPr/>
         <p:txBody>
           <a:bodyPr>
             <a:noAutofit/>
@@ -7777,7 +8584,7 @@
           <a:p>
             <a:r>
               <a:rPr lang="en-US" sz="3600" dirty="0"/>
-              <a:t>Linear Model over Retail Sales – Post Lockdown</a:t>
+              <a:t>Linear Model over Retail Sales – Pre Lockdown</a:t>
             </a:r>
           </a:p>
         </p:txBody>
@@ -7814,7 +8621,7 @@
                   <a:schemeClr val="tx2"/>
                 </a:solidFill>
               </a:rPr>
-              <a:t>Intercept: -977204478</a:t>
+              <a:t>Intercept: -764228325</a:t>
             </a:r>
           </a:p>
           <a:p>
@@ -7824,17 +8631,17 @@
                   <a:schemeClr val="tx2"/>
                 </a:solidFill>
               </a:rPr>
-              <a:t>Slope: 61020.1</a:t>
+              <a:t>Slope: 448963.47</a:t>
             </a:r>
           </a:p>
         </p:txBody>
       </p:sp>
       <p:pic>
         <p:nvPicPr>
-          <p:cNvPr id="5124" name="Picture 4">
-            <a:extLst>
-              <a:ext uri="{FF2B5EF4-FFF2-40B4-BE49-F238E27FC236}">
-                <a16:creationId xmlns:a16="http://schemas.microsoft.com/office/drawing/2014/main" id="{DFB78681-C3BA-450D-A90F-1BBC0E1BEFBA}"/>
+          <p:cNvPr id="4100" name="Picture 4">
+            <a:extLst>
+              <a:ext uri="{FF2B5EF4-FFF2-40B4-BE49-F238E27FC236}">
+                <a16:creationId xmlns:a16="http://schemas.microsoft.com/office/drawing/2014/main" id="{2998BA91-B232-48E4-AD45-EC66DAEE902C}"/>
               </a:ext>
             </a:extLst>
           </p:cNvPr>
@@ -7844,7 +8651,7 @@
           <p:nvPr/>
         </p:nvPicPr>
         <p:blipFill>
-          <a:blip r:embed="rId2">
+          <a:blip r:embed="rId3">
             <a:extLst>
               <a:ext uri="{28A0092B-C50C-407E-A947-70E740481C1C}">
                 <a14:useLocalDpi xmlns:a14="http://schemas.microsoft.com/office/drawing/2010/main" val="0"/>
@@ -7858,8 +8665,8 @@
         </p:blipFill>
         <p:spPr bwMode="auto">
           <a:xfrm>
-            <a:off x="942251" y="2129563"/>
-            <a:ext cx="6242060" cy="4458614"/>
+            <a:off x="711929" y="1807858"/>
+            <a:ext cx="6692447" cy="4780319"/>
           </a:xfrm>
           <a:prstGeom prst="rect">
             <a:avLst/>
@@ -7879,7 +8686,7 @@
     </p:spTree>
     <p:extLst>
       <p:ext uri="{BB962C8B-B14F-4D97-AF65-F5344CB8AC3E}">
-        <p14:creationId xmlns:p14="http://schemas.microsoft.com/office/powerpoint/2010/main" val="1766394962"/>
+        <p14:creationId xmlns:p14="http://schemas.microsoft.com/office/powerpoint/2010/main" val="2534627131"/>
       </p:ext>
     </p:extLst>
   </p:cSld>
@@ -7922,54 +8729,123 @@
             <p:ph type="title"/>
           </p:nvPr>
         </p:nvSpPr>
-        <p:spPr/>
+        <p:spPr>
+          <a:xfrm>
+            <a:off x="711928" y="269823"/>
+            <a:ext cx="10622821" cy="1024139"/>
+          </a:xfrm>
+        </p:spPr>
         <p:txBody>
           <a:bodyPr>
-            <a:normAutofit fontScale="90000"/>
+            <a:noAutofit/>
           </a:bodyPr>
           <a:lstStyle/>
           <a:p>
             <a:r>
-              <a:rPr lang="en-US" dirty="0"/>
-              <a:t>Combined Linear Models over Retail Sales</a:t>
+              <a:rPr lang="en-US" sz="3600" dirty="0"/>
+              <a:t>Linear Model over Retail Sales – Post Lockdown</a:t>
+            </a:r>
+          </a:p>
+        </p:txBody>
+      </p:sp>
+      <p:sp>
+        <p:nvSpPr>
+          <p:cNvPr id="4" name="Text Placeholder 3">
+            <a:extLst>
+              <a:ext uri="{FF2B5EF4-FFF2-40B4-BE49-F238E27FC236}">
+                <a16:creationId xmlns:a16="http://schemas.microsoft.com/office/drawing/2014/main" id="{1698A16C-8A37-7441-BB64-9C2A53F9F88F}"/>
+              </a:ext>
+            </a:extLst>
+          </p:cNvPr>
+          <p:cNvSpPr>
+            <a:spLocks noGrp="1"/>
+          </p:cNvSpPr>
+          <p:nvPr>
+            <p:ph type="body" idx="10"/>
+          </p:nvPr>
+        </p:nvSpPr>
+        <p:spPr>
+          <a:xfrm>
+            <a:off x="7753350" y="2070938"/>
+            <a:ext cx="3474179" cy="4079696"/>
+          </a:xfrm>
+        </p:spPr>
+        <p:txBody>
+          <a:bodyPr/>
+          <a:lstStyle/>
+          <a:p>
+            <a:r>
+              <a:rPr lang="en-US" dirty="0">
+                <a:solidFill>
+                  <a:schemeClr val="tx2"/>
+                </a:solidFill>
+              </a:rPr>
+              <a:t>Intercept: -977204478</a:t>
+            </a:r>
+          </a:p>
+          <a:p>
+            <a:r>
+              <a:rPr lang="en-US" dirty="0">
+                <a:solidFill>
+                  <a:schemeClr val="tx2"/>
+                </a:solidFill>
+              </a:rPr>
+              <a:t>Slope: 61020.1</a:t>
             </a:r>
           </a:p>
         </p:txBody>
       </p:sp>
       <p:pic>
         <p:nvPicPr>
-          <p:cNvPr id="3" name="Picture 2">
-            <a:extLst>
-              <a:ext uri="{FF2B5EF4-FFF2-40B4-BE49-F238E27FC236}">
-                <a16:creationId xmlns:a16="http://schemas.microsoft.com/office/drawing/2014/main" id="{C1086B46-7103-4BD1-AE45-7B5022789954}"/>
+          <p:cNvPr id="5124" name="Picture 4">
+            <a:extLst>
+              <a:ext uri="{FF2B5EF4-FFF2-40B4-BE49-F238E27FC236}">
+                <a16:creationId xmlns:a16="http://schemas.microsoft.com/office/drawing/2014/main" id="{DFB78681-C3BA-450D-A90F-1BBC0E1BEFBA}"/>
               </a:ext>
             </a:extLst>
           </p:cNvPr>
           <p:cNvPicPr>
-            <a:picLocks noChangeAspect="1"/>
+            <a:picLocks noChangeAspect="1" noChangeArrowheads="1"/>
           </p:cNvPicPr>
           <p:nvPr/>
         </p:nvPicPr>
         <p:blipFill>
-          <a:blip r:embed="rId2"/>
+          <a:blip r:embed="rId3">
+            <a:extLst>
+              <a:ext uri="{28A0092B-C50C-407E-A947-70E740481C1C}">
+                <a14:useLocalDpi xmlns:a14="http://schemas.microsoft.com/office/drawing/2010/main" val="0"/>
+              </a:ext>
+            </a:extLst>
+          </a:blip>
+          <a:srcRect/>
           <a:stretch>
             <a:fillRect/>
           </a:stretch>
         </p:blipFill>
-        <p:spPr>
-          <a:xfrm>
-            <a:off x="711929" y="1848107"/>
-            <a:ext cx="7680669" cy="4740070"/>
+        <p:spPr bwMode="auto">
+          <a:xfrm>
+            <a:off x="711928" y="1767613"/>
+            <a:ext cx="6748790" cy="4820564"/>
           </a:xfrm>
           <a:prstGeom prst="rect">
             <a:avLst/>
           </a:prstGeom>
+          <a:noFill/>
+          <a:extLst>
+            <a:ext uri="{909E8E84-426E-40DD-AFC4-6F175D3DCCD1}">
+              <a14:hiddenFill xmlns:a14="http://schemas.microsoft.com/office/drawing/2010/main">
+                <a:solidFill>
+                  <a:srgbClr val="FFFFFF"/>
+                </a:solidFill>
+              </a14:hiddenFill>
+            </a:ext>
+          </a:extLst>
         </p:spPr>
       </p:pic>
     </p:spTree>
     <p:extLst>
       <p:ext uri="{BB962C8B-B14F-4D97-AF65-F5344CB8AC3E}">
-        <p14:creationId xmlns:p14="http://schemas.microsoft.com/office/powerpoint/2010/main" val="3594593885"/>
+        <p14:creationId xmlns:p14="http://schemas.microsoft.com/office/powerpoint/2010/main" val="1766394962"/>
       </p:ext>
     </p:extLst>
   </p:cSld>
@@ -8014,12 +8890,14 @@
         </p:nvSpPr>
         <p:spPr/>
         <p:txBody>
-          <a:bodyPr/>
+          <a:bodyPr>
+            <a:normAutofit fontScale="90000"/>
+          </a:bodyPr>
           <a:lstStyle/>
           <a:p>
             <a:r>
               <a:rPr lang="en-US" dirty="0"/>
-              <a:t>Stay-at-home Lockdown Marker</a:t>
+              <a:t>Combined Linear Models over Retail Sales</a:t>
             </a:r>
           </a:p>
         </p:txBody>
@@ -8039,7 +8917,7 @@
           <p:nvPr/>
         </p:nvPicPr>
         <p:blipFill>
-          <a:blip r:embed="rId2">
+          <a:blip r:embed="rId3">
             <a:extLst>
               <a:ext uri="{28A0092B-C50C-407E-A947-70E740481C1C}">
                 <a14:useLocalDpi xmlns:a14="http://schemas.microsoft.com/office/drawing/2010/main" val="0"/>
@@ -8053,8 +8931,8 @@
         </p:blipFill>
         <p:spPr bwMode="auto">
           <a:xfrm>
-            <a:off x="2319528" y="1960474"/>
-            <a:ext cx="6856536" cy="4897526"/>
+            <a:off x="711929" y="1789024"/>
+            <a:ext cx="6718814" cy="4799153"/>
           </a:xfrm>
           <a:prstGeom prst="rect">
             <a:avLst/>
@@ -8144,7 +9022,7 @@
           <p:nvPr/>
         </p:nvPicPr>
         <p:blipFill>
-          <a:blip r:embed="rId2"/>
+          <a:blip r:embed="rId3"/>
           <a:stretch>
             <a:fillRect/>
           </a:stretch>
@@ -8194,7 +9072,7 @@
           <p:cNvPr id="2" name="Title 1">
             <a:extLst>
               <a:ext uri="{FF2B5EF4-FFF2-40B4-BE49-F238E27FC236}">
-                <a16:creationId xmlns:a16="http://schemas.microsoft.com/office/drawing/2014/main" id="{7766056C-4DB3-4360-A405-3E7BC3C6EFB7}"/>
+                <a16:creationId xmlns:a16="http://schemas.microsoft.com/office/drawing/2014/main" id="{D75A4DC4-B69B-DC4C-A6FA-BC4335D7B9E5}"/>
               </a:ext>
             </a:extLst>
           </p:cNvPr>
@@ -8212,609 +9090,92 @@
           <a:p>
             <a:r>
               <a:rPr lang="en-US" dirty="0"/>
-              <a:t>County Level Data</a:t>
-            </a:r>
-          </a:p>
-        </p:txBody>
-      </p:sp>
-      <p:pic>
-        <p:nvPicPr>
-          <p:cNvPr id="7170" name="Picture 2">
-            <a:extLst>
-              <a:ext uri="{FF2B5EF4-FFF2-40B4-BE49-F238E27FC236}">
-                <a16:creationId xmlns:a16="http://schemas.microsoft.com/office/drawing/2014/main" id="{B9316A03-18A7-4576-9BF0-3FDF216FCB99}"/>
-              </a:ext>
-            </a:extLst>
-          </p:cNvPr>
-          <p:cNvPicPr>
-            <a:picLocks noChangeAspect="1" noChangeArrowheads="1"/>
-          </p:cNvPicPr>
-          <p:nvPr/>
-        </p:nvPicPr>
-        <p:blipFill>
-          <a:blip r:embed="rId2">
-            <a:extLst>
-              <a:ext uri="{28A0092B-C50C-407E-A947-70E740481C1C}">
-                <a14:useLocalDpi xmlns:a14="http://schemas.microsoft.com/office/drawing/2010/main" val="0"/>
-              </a:ext>
-            </a:extLst>
-          </a:blip>
-          <a:srcRect/>
-          <a:stretch>
-            <a:fillRect/>
-          </a:stretch>
-        </p:blipFill>
-        <p:spPr bwMode="auto">
-          <a:xfrm>
-            <a:off x="351739" y="1844388"/>
-            <a:ext cx="3188818" cy="2277727"/>
-          </a:xfrm>
-          <a:prstGeom prst="rect">
-            <a:avLst/>
-          </a:prstGeom>
-          <a:noFill/>
-          <a:extLst>
-            <a:ext uri="{909E8E84-426E-40DD-AFC4-6F175D3DCCD1}">
-              <a14:hiddenFill xmlns:a14="http://schemas.microsoft.com/office/drawing/2010/main">
-                <a:solidFill>
-                  <a:srgbClr val="FFFFFF"/>
-                </a:solidFill>
-              </a14:hiddenFill>
-            </a:ext>
-          </a:extLst>
-        </p:spPr>
-      </p:pic>
-      <p:pic>
-        <p:nvPicPr>
-          <p:cNvPr id="7172" name="Picture 4">
-            <a:extLst>
-              <a:ext uri="{FF2B5EF4-FFF2-40B4-BE49-F238E27FC236}">
-                <a16:creationId xmlns:a16="http://schemas.microsoft.com/office/drawing/2014/main" id="{BAFCD10D-65DD-4D1D-801B-068FB351AC4C}"/>
-              </a:ext>
-            </a:extLst>
-          </p:cNvPr>
-          <p:cNvPicPr>
-            <a:picLocks noChangeAspect="1" noChangeArrowheads="1"/>
-          </p:cNvPicPr>
-          <p:nvPr/>
-        </p:nvPicPr>
-        <p:blipFill>
-          <a:blip r:embed="rId3">
-            <a:extLst>
-              <a:ext uri="{28A0092B-C50C-407E-A947-70E740481C1C}">
-                <a14:useLocalDpi xmlns:a14="http://schemas.microsoft.com/office/drawing/2010/main" val="0"/>
-              </a:ext>
-            </a:extLst>
-          </a:blip>
-          <a:srcRect/>
-          <a:stretch>
-            <a:fillRect/>
-          </a:stretch>
-        </p:blipFill>
-        <p:spPr bwMode="auto">
-          <a:xfrm>
-            <a:off x="454150" y="4383076"/>
-            <a:ext cx="3188818" cy="2277728"/>
-          </a:xfrm>
-          <a:prstGeom prst="rect">
-            <a:avLst/>
-          </a:prstGeom>
-          <a:noFill/>
-          <a:extLst>
-            <a:ext uri="{909E8E84-426E-40DD-AFC4-6F175D3DCCD1}">
-              <a14:hiddenFill xmlns:a14="http://schemas.microsoft.com/office/drawing/2010/main">
-                <a:solidFill>
-                  <a:srgbClr val="FFFFFF"/>
-                </a:solidFill>
-              </a14:hiddenFill>
-            </a:ext>
-          </a:extLst>
-        </p:spPr>
-      </p:pic>
-      <p:pic>
-        <p:nvPicPr>
-          <p:cNvPr id="7174" name="Picture 6">
-            <a:extLst>
-              <a:ext uri="{FF2B5EF4-FFF2-40B4-BE49-F238E27FC236}">
-                <a16:creationId xmlns:a16="http://schemas.microsoft.com/office/drawing/2014/main" id="{EB6C0988-CD68-418E-9788-D584480891FF}"/>
-              </a:ext>
-            </a:extLst>
-          </p:cNvPr>
-          <p:cNvPicPr>
-            <a:picLocks noChangeAspect="1" noChangeArrowheads="1"/>
-          </p:cNvPicPr>
-          <p:nvPr/>
-        </p:nvPicPr>
-        <p:blipFill>
-          <a:blip r:embed="rId4">
-            <a:extLst>
-              <a:ext uri="{28A0092B-C50C-407E-A947-70E740481C1C}">
-                <a14:useLocalDpi xmlns:a14="http://schemas.microsoft.com/office/drawing/2010/main" val="0"/>
-              </a:ext>
-            </a:extLst>
-          </a:blip>
-          <a:srcRect/>
-          <a:stretch>
-            <a:fillRect/>
-          </a:stretch>
-        </p:blipFill>
-        <p:spPr bwMode="auto">
-          <a:xfrm>
-            <a:off x="3936186" y="1792225"/>
-            <a:ext cx="3305862" cy="2361330"/>
-          </a:xfrm>
-          <a:prstGeom prst="rect">
-            <a:avLst/>
-          </a:prstGeom>
-          <a:noFill/>
-          <a:extLst>
-            <a:ext uri="{909E8E84-426E-40DD-AFC4-6F175D3DCCD1}">
-              <a14:hiddenFill xmlns:a14="http://schemas.microsoft.com/office/drawing/2010/main">
-                <a:solidFill>
-                  <a:srgbClr val="FFFFFF"/>
-                </a:solidFill>
-              </a14:hiddenFill>
-            </a:ext>
-          </a:extLst>
-        </p:spPr>
-      </p:pic>
-      <p:pic>
-        <p:nvPicPr>
-          <p:cNvPr id="7176" name="Picture 8">
-            <a:extLst>
-              <a:ext uri="{FF2B5EF4-FFF2-40B4-BE49-F238E27FC236}">
-                <a16:creationId xmlns:a16="http://schemas.microsoft.com/office/drawing/2014/main" id="{421C9579-530F-4FA3-A06B-563BA487D37D}"/>
-              </a:ext>
-            </a:extLst>
-          </p:cNvPr>
-          <p:cNvPicPr>
-            <a:picLocks noChangeAspect="1" noChangeArrowheads="1"/>
-          </p:cNvPicPr>
-          <p:nvPr/>
-        </p:nvPicPr>
-        <p:blipFill>
-          <a:blip r:embed="rId5">
-            <a:extLst>
-              <a:ext uri="{28A0092B-C50C-407E-A947-70E740481C1C}">
-                <a14:useLocalDpi xmlns:a14="http://schemas.microsoft.com/office/drawing/2010/main" val="0"/>
-              </a:ext>
-            </a:extLst>
-          </a:blip>
-          <a:srcRect/>
-          <a:stretch>
-            <a:fillRect/>
-          </a:stretch>
-        </p:blipFill>
-        <p:spPr bwMode="auto">
-          <a:xfrm>
-            <a:off x="3884980" y="4304698"/>
-            <a:ext cx="3357068" cy="2397906"/>
-          </a:xfrm>
-          <a:prstGeom prst="rect">
-            <a:avLst/>
-          </a:prstGeom>
-          <a:noFill/>
-          <a:extLst>
-            <a:ext uri="{909E8E84-426E-40DD-AFC4-6F175D3DCCD1}">
-              <a14:hiddenFill xmlns:a14="http://schemas.microsoft.com/office/drawing/2010/main">
-                <a:solidFill>
-                  <a:srgbClr val="FFFFFF"/>
-                </a:solidFill>
-              </a14:hiddenFill>
-            </a:ext>
-          </a:extLst>
-        </p:spPr>
-      </p:pic>
-      <p:sp>
-        <p:nvSpPr>
-          <p:cNvPr id="10" name="TextBox 9">
-            <a:extLst>
-              <a:ext uri="{FF2B5EF4-FFF2-40B4-BE49-F238E27FC236}">
-                <a16:creationId xmlns:a16="http://schemas.microsoft.com/office/drawing/2014/main" id="{4E3F16FD-41C5-45D3-B074-33822613A53E}"/>
-              </a:ext>
-            </a:extLst>
-          </p:cNvPr>
-          <p:cNvSpPr txBox="1"/>
-          <p:nvPr/>
-        </p:nvSpPr>
-        <p:spPr>
-          <a:xfrm>
-            <a:off x="7242049" y="1673208"/>
-            <a:ext cx="2282341" cy="5262979"/>
-          </a:xfrm>
-          <a:prstGeom prst="rect">
-            <a:avLst/>
-          </a:prstGeom>
-          <a:noFill/>
-        </p:spPr>
-        <p:txBody>
-          <a:bodyPr wrap="square">
-            <a:spAutoFit/>
-          </a:bodyPr>
-          <a:lstStyle/>
-          <a:p>
-            <a:r>
-              <a:rPr lang="en-US" sz="800" dirty="0"/>
-              <a:t>## County </a:t>
-            </a:r>
-            <a:r>
-              <a:rPr lang="en-US" sz="800" dirty="0" err="1"/>
-              <a:t>DataPoints</a:t>
-            </a:r>
-            <a:r>
-              <a:rPr lang="en-US" sz="800" dirty="0"/>
-              <a:t> </a:t>
-            </a:r>
-            <a:r>
-              <a:rPr lang="en-US" sz="800" dirty="0" err="1"/>
-              <a:t>PValue</a:t>
-            </a:r>
-            <a:r>
-              <a:rPr lang="en-US" sz="800" dirty="0"/>
-              <a:t> </a:t>
-            </a:r>
-            <a:r>
-              <a:rPr lang="en-US" sz="800" dirty="0" err="1"/>
-              <a:t>Reject_Null</a:t>
-            </a:r>
-            <a:endParaRPr lang="en-US" sz="800" dirty="0"/>
-          </a:p>
-          <a:p>
-            <a:r>
-              <a:rPr lang="en-US" sz="800" dirty="0"/>
-              <a:t>## 1 Adams 77 4.810252e-11 TRUE</a:t>
-            </a:r>
-          </a:p>
-          <a:p>
-            <a:r>
-              <a:rPr lang="en-US" sz="800" dirty="0"/>
-              <a:t>## 2 Arapahoe 79 1.010971e-01 FALSE</a:t>
-            </a:r>
-          </a:p>
-          <a:p>
-            <a:r>
-              <a:rPr lang="en-US" sz="800" dirty="0"/>
-              <a:t>## 3 Archuleta 51 4.137149e-04 TRUE</a:t>
-            </a:r>
-          </a:p>
-          <a:p>
-            <a:r>
-              <a:rPr lang="en-US" sz="800" dirty="0"/>
-              <a:t>## 4 Bent 5 NA </a:t>
-            </a:r>
-            <a:r>
-              <a:rPr lang="en-US" sz="800" dirty="0" err="1"/>
-              <a:t>NA</a:t>
-            </a:r>
-            <a:endParaRPr lang="en-US" sz="800" dirty="0"/>
-          </a:p>
-          <a:p>
-            <a:r>
-              <a:rPr lang="en-US" sz="800" dirty="0"/>
-              <a:t>## 5 Boulder 87 1.094066e-02 TRUE</a:t>
-            </a:r>
-          </a:p>
-          <a:p>
-            <a:r>
-              <a:rPr lang="en-US" sz="800" dirty="0"/>
-              <a:t>## 6 Chaffee 61 3.433096e-01 FALSE</a:t>
-            </a:r>
-          </a:p>
-          <a:p>
-            <a:r>
-              <a:rPr lang="en-US" sz="800" dirty="0"/>
-              <a:t>## 7 </a:t>
-            </a:r>
-            <a:r>
-              <a:rPr lang="en-US" sz="800" dirty="0" err="1"/>
-              <a:t>Clear.Creek</a:t>
-            </a:r>
-            <a:r>
-              <a:rPr lang="en-US" sz="800" dirty="0"/>
-              <a:t> 89 7.132070e-02 FALSE</a:t>
-            </a:r>
-          </a:p>
-          <a:p>
-            <a:r>
-              <a:rPr lang="en-US" sz="800" dirty="0"/>
-              <a:t>## 8 Conejos 42 2.240083e-02 TRUE</a:t>
-            </a:r>
-          </a:p>
-          <a:p>
-            <a:r>
-              <a:rPr lang="en-US" sz="800" dirty="0"/>
-              <a:t>## 9 Costilla 64 2.220447e-05 TRUE</a:t>
-            </a:r>
-          </a:p>
-          <a:p>
-            <a:r>
-              <a:rPr lang="en-US" sz="800" dirty="0"/>
-              <a:t>## 10 Crowley 0 NA </a:t>
-            </a:r>
-            <a:r>
-              <a:rPr lang="en-US" sz="800" dirty="0" err="1"/>
-              <a:t>NA</a:t>
-            </a:r>
-            <a:endParaRPr lang="en-US" sz="800" dirty="0"/>
-          </a:p>
-          <a:p>
-            <a:r>
-              <a:rPr lang="en-US" sz="800" dirty="0"/>
-              <a:t>## 11 Denver 89 1.412168e-01 FALSE</a:t>
-            </a:r>
-          </a:p>
-          <a:p>
-            <a:r>
-              <a:rPr lang="en-US" sz="800" dirty="0"/>
-              <a:t>## 12 Eagle 82 4.507621e-01 FALSE</a:t>
-            </a:r>
-          </a:p>
-          <a:p>
-            <a:r>
-              <a:rPr lang="en-US" sz="800" dirty="0"/>
-              <a:t>## 13 </a:t>
-            </a:r>
-            <a:r>
-              <a:rPr lang="en-US" sz="800" dirty="0" err="1"/>
-              <a:t>El.Paso</a:t>
-            </a:r>
-            <a:r>
-              <a:rPr lang="en-US" sz="800" dirty="0"/>
-              <a:t> 0 NA </a:t>
-            </a:r>
-            <a:r>
-              <a:rPr lang="en-US" sz="800" dirty="0" err="1"/>
-              <a:t>NA</a:t>
-            </a:r>
-            <a:endParaRPr lang="en-US" sz="800" dirty="0"/>
-          </a:p>
-          <a:p>
-            <a:r>
-              <a:rPr lang="en-US" sz="800" dirty="0"/>
-              <a:t>## 14 Garfield 85 2.785385e-01 FALSE</a:t>
-            </a:r>
-          </a:p>
-          <a:p>
-            <a:r>
-              <a:rPr lang="en-US" sz="800" dirty="0"/>
-              <a:t>## 15 Gilpin 86 3.602572e-01 FALSE</a:t>
-            </a:r>
-          </a:p>
-          <a:p>
-            <a:r>
-              <a:rPr lang="en-US" sz="800" dirty="0"/>
-              <a:t>## 16 Grand 69 7.255423e-01 FALSE</a:t>
-            </a:r>
-          </a:p>
-          <a:p>
-            <a:r>
-              <a:rPr lang="en-US" sz="800" dirty="0"/>
-              <a:t>## 17 Gunnison 81 4.588904e-01 FALSE</a:t>
-            </a:r>
-          </a:p>
-          <a:p>
-            <a:r>
-              <a:rPr lang="en-US" sz="800" dirty="0"/>
-              <a:t>## 18 Huerfano 26 1.008087e-01 FALSE</a:t>
-            </a:r>
-          </a:p>
-          <a:p>
-            <a:r>
-              <a:rPr lang="en-US" sz="800" dirty="0"/>
-              <a:t>## 19 Jefferson 89 8.945739e-01 FALSE</a:t>
-            </a:r>
-          </a:p>
-          <a:p>
-            <a:r>
-              <a:rPr lang="en-US" sz="800" dirty="0"/>
-              <a:t>## 20 Lake 45 8.549919e-02 FALSE</a:t>
-            </a:r>
-          </a:p>
-          <a:p>
-            <a:r>
-              <a:rPr lang="en-US" sz="800" dirty="0"/>
-              <a:t>## 21 </a:t>
-            </a:r>
-            <a:r>
-              <a:rPr lang="en-US" sz="800" dirty="0" err="1"/>
-              <a:t>La.Plata</a:t>
-            </a:r>
-            <a:r>
-              <a:rPr lang="en-US" sz="800" dirty="0"/>
-              <a:t> 79 1.091498e-06 TRUE</a:t>
-            </a:r>
-          </a:p>
-          <a:p>
-            <a:r>
-              <a:rPr lang="en-US" sz="800" dirty="0"/>
-              <a:t>## 22 Larimer 83 1.102853e-02 TRUE</a:t>
-            </a:r>
-          </a:p>
-          <a:p>
-            <a:r>
-              <a:rPr lang="en-US" sz="800" dirty="0"/>
-              <a:t>## 23 </a:t>
-            </a:r>
-            <a:r>
-              <a:rPr lang="en-US" sz="800" dirty="0" err="1"/>
-              <a:t>Las.Animas</a:t>
-            </a:r>
-            <a:r>
-              <a:rPr lang="en-US" sz="800" dirty="0"/>
-              <a:t> 77 4.864853e-02 TRUE</a:t>
-            </a:r>
-          </a:p>
-          <a:p>
-            <a:r>
-              <a:rPr lang="en-US" sz="800" dirty="0"/>
-              <a:t>## 24 Mesa 45 6.823595e-03 TRUE</a:t>
-            </a:r>
-          </a:p>
-          <a:p>
-            <a:r>
-              <a:rPr lang="en-US" sz="800" dirty="0"/>
-              <a:t>## 25 Moffat 29 1.740382e-03 TRUE</a:t>
-            </a:r>
-          </a:p>
-          <a:p>
-            <a:r>
-              <a:rPr lang="en-US" sz="800" dirty="0"/>
-              <a:t>## 26 Montezuma 76 1.074009e-01 FALSE</a:t>
-            </a:r>
-          </a:p>
-          <a:p>
-            <a:r>
-              <a:rPr lang="en-US" sz="800" dirty="0"/>
-              <a:t>## 27 Montrose 0 NA </a:t>
-            </a:r>
-            <a:r>
-              <a:rPr lang="en-US" sz="800" dirty="0" err="1"/>
-              <a:t>NA</a:t>
-            </a:r>
-            <a:endParaRPr lang="en-US" sz="800" dirty="0"/>
-          </a:p>
-          <a:p>
-            <a:r>
-              <a:rPr lang="en-US" sz="800" dirty="0"/>
-              <a:t>## 28 Morgan 52 4.277714e-04 TRUE</a:t>
-            </a:r>
-          </a:p>
-          <a:p>
-            <a:r>
-              <a:rPr lang="en-US" sz="800" dirty="0"/>
-              <a:t>## 29 Otero 14 NA </a:t>
-            </a:r>
-            <a:r>
-              <a:rPr lang="en-US" sz="800" dirty="0" err="1"/>
-              <a:t>NA</a:t>
-            </a:r>
-            <a:endParaRPr lang="en-US" sz="800" dirty="0"/>
-          </a:p>
-          <a:p>
-            <a:r>
-              <a:rPr lang="en-US" sz="800" dirty="0"/>
-              <a:t>## 30 Ouray 50 1.464512e-01 FALSE</a:t>
-            </a:r>
-          </a:p>
-          <a:p>
-            <a:r>
-              <a:rPr lang="en-US" sz="800" dirty="0"/>
-              <a:t>## 31 Park 75 4.088663e-06 TRUE</a:t>
-            </a:r>
-          </a:p>
-          <a:p>
-            <a:r>
-              <a:rPr lang="en-US" sz="800" dirty="0"/>
-              <a:t>## 32 Pitkin 86 1.783652e-01 FALSE</a:t>
-            </a:r>
-          </a:p>
-          <a:p>
-            <a:r>
-              <a:rPr lang="en-US" sz="800" dirty="0"/>
-              <a:t>## 33 Pueblo 89 2.058353e-13 TRUE</a:t>
-            </a:r>
-          </a:p>
-          <a:p>
-            <a:r>
-              <a:rPr lang="en-US" sz="800" dirty="0"/>
-              <a:t>## 34 Routt 76 1.851871e-02 TRUE</a:t>
-            </a:r>
-          </a:p>
-          <a:p>
-            <a:r>
-              <a:rPr lang="en-US" sz="800" dirty="0"/>
-              <a:t>## 35 Saguache 45 2.355935e-03 TRUE</a:t>
-            </a:r>
-          </a:p>
-          <a:p>
-            <a:r>
-              <a:rPr lang="en-US" sz="800" dirty="0"/>
-              <a:t>## 36 </a:t>
-            </a:r>
-            <a:r>
-              <a:rPr lang="en-US" sz="800" dirty="0" err="1"/>
-              <a:t>San.Juan</a:t>
-            </a:r>
-            <a:r>
-              <a:rPr lang="en-US" sz="800" dirty="0"/>
-              <a:t> 9 NA </a:t>
-            </a:r>
-            <a:r>
-              <a:rPr lang="en-US" sz="800" dirty="0" err="1"/>
-              <a:t>NA</a:t>
-            </a:r>
-            <a:endParaRPr lang="en-US" sz="800" dirty="0"/>
-          </a:p>
-          <a:p>
-            <a:r>
-              <a:rPr lang="en-US" sz="800" dirty="0"/>
-              <a:t>## 37 </a:t>
-            </a:r>
-            <a:r>
-              <a:rPr lang="en-US" sz="800" dirty="0" err="1"/>
-              <a:t>San.Miguel</a:t>
-            </a:r>
-            <a:r>
-              <a:rPr lang="en-US" sz="800" dirty="0"/>
-              <a:t> 88 8.964043e-01 FALSE</a:t>
-            </a:r>
-          </a:p>
-          <a:p>
-            <a:r>
-              <a:rPr lang="en-US" sz="800" dirty="0"/>
-              <a:t>## 38 Sedgwick 8 NA </a:t>
-            </a:r>
-            <a:r>
-              <a:rPr lang="en-US" sz="800" dirty="0" err="1"/>
-              <a:t>NA</a:t>
-            </a:r>
-            <a:endParaRPr lang="en-US" sz="800" dirty="0"/>
-          </a:p>
-          <a:p>
-            <a:r>
-              <a:rPr lang="en-US" sz="800" dirty="0"/>
-              <a:t>## 39 Summit 89 1.240698e-01 FALSE</a:t>
-            </a:r>
-          </a:p>
-          <a:p>
-            <a:r>
-              <a:rPr lang="en-US" sz="800" dirty="0"/>
-              <a:t>## 40 Weld 86 7.515368e-01 FALSE</a:t>
+              <a:t>Conclusions</a:t>
             </a:r>
           </a:p>
         </p:txBody>
       </p:sp>
       <p:sp>
         <p:nvSpPr>
-          <p:cNvPr id="6" name="TextBox 5">
-            <a:extLst>
-              <a:ext uri="{FF2B5EF4-FFF2-40B4-BE49-F238E27FC236}">
-                <a16:creationId xmlns:a16="http://schemas.microsoft.com/office/drawing/2014/main" id="{3582C93D-AA7A-47F1-B5B7-A8E6368C59C6}"/>
-              </a:ext>
-            </a:extLst>
-          </p:cNvPr>
-          <p:cNvSpPr txBox="1"/>
-          <p:nvPr/>
+          <p:cNvPr id="5" name="Text Placeholder 2">
+            <a:extLst>
+              <a:ext uri="{FF2B5EF4-FFF2-40B4-BE49-F238E27FC236}">
+                <a16:creationId xmlns:a16="http://schemas.microsoft.com/office/drawing/2014/main" id="{8AD54B30-F012-4D28-82A2-4C7277CF474A}"/>
+              </a:ext>
+            </a:extLst>
+          </p:cNvPr>
+          <p:cNvSpPr>
+            <a:spLocks noGrp="1"/>
+          </p:cNvSpPr>
+          <p:nvPr>
+            <p:ph type="body" idx="1"/>
+          </p:nvPr>
         </p:nvSpPr>
         <p:spPr>
           <a:xfrm>
-            <a:off x="9348825" y="2194560"/>
-            <a:ext cx="1878703" cy="1477328"/>
-          </a:xfrm>
-          <a:prstGeom prst="rect">
-            <a:avLst/>
-          </a:prstGeom>
-          <a:noFill/>
+            <a:off x="711929" y="2070938"/>
+            <a:ext cx="10635521" cy="4079696"/>
+          </a:xfrm>
         </p:spPr>
         <p:txBody>
-          <a:bodyPr wrap="square" rtlCol="0">
-            <a:spAutoFit/>
+          <a:bodyPr>
+            <a:normAutofit/>
           </a:bodyPr>
           <a:lstStyle/>
           <a:p>
-            <a:r>
-              <a:rPr lang="en-US" dirty="0"/>
-              <a:t>14 Counties show evidence of increased Marijuana Sales after March 2020</a:t>
+            <a:pPr marL="342900" indent="-342900">
+              <a:buFont typeface="Arial" panose="020B0604020202020204" pitchFamily="34" charset="0"/>
+              <a:buChar char="•"/>
+            </a:pPr>
+            <a:r>
+              <a:rPr lang="en-US" dirty="0">
+                <a:solidFill>
+                  <a:schemeClr val="tx2"/>
+                </a:solidFill>
+              </a:rPr>
+              <a:t>Evidence of change in marijuana sales trend before and after Covid-19 lockdowns at the Colorado Level</a:t>
+            </a:r>
+          </a:p>
+          <a:p>
+            <a:pPr marL="342900" indent="-342900">
+              <a:buFont typeface="Arial" panose="020B0604020202020204" pitchFamily="34" charset="0"/>
+              <a:buChar char="•"/>
+            </a:pPr>
+            <a:r>
+              <a:rPr lang="en-US" dirty="0">
+                <a:solidFill>
+                  <a:schemeClr val="tx2"/>
+                </a:solidFill>
+              </a:rPr>
+              <a:t>On a county level, sales trends varied</a:t>
+            </a:r>
+          </a:p>
+          <a:p>
+            <a:pPr marL="342900" indent="-342900">
+              <a:buFont typeface="Arial" panose="020B0604020202020204" pitchFamily="34" charset="0"/>
+              <a:buChar char="•"/>
+            </a:pPr>
+            <a:r>
+              <a:rPr lang="en-US" dirty="0">
+                <a:solidFill>
+                  <a:schemeClr val="tx2"/>
+                </a:solidFill>
+              </a:rPr>
+              <a:t>Lockdowns showed more of an impact on marijuana sales than Covid-19 cases</a:t>
+            </a:r>
+          </a:p>
+          <a:p>
+            <a:pPr marL="342900" indent="-342900">
+              <a:buFont typeface="Arial" panose="020B0604020202020204" pitchFamily="34" charset="0"/>
+              <a:buChar char="•"/>
+            </a:pPr>
+            <a:r>
+              <a:rPr lang="en-US" dirty="0">
+                <a:solidFill>
+                  <a:schemeClr val="tx2"/>
+                </a:solidFill>
+              </a:rPr>
+              <a:t>Further research could be done at a county level</a:t>
             </a:r>
           </a:p>
         </p:txBody>
@@ -8822,7 +9183,7 @@
     </p:spTree>
     <p:extLst>
       <p:ext uri="{BB962C8B-B14F-4D97-AF65-F5344CB8AC3E}">
-        <p14:creationId xmlns:p14="http://schemas.microsoft.com/office/powerpoint/2010/main" val="4212006372"/>
+        <p14:creationId xmlns:p14="http://schemas.microsoft.com/office/powerpoint/2010/main" val="3482310213"/>
       </p:ext>
     </p:extLst>
   </p:cSld>
@@ -8872,98 +9233,45 @@
           <a:p>
             <a:r>
               <a:rPr lang="en-US" dirty="0"/>
-              <a:t>Conclusions</a:t>
+              <a:t>Questions</a:t>
             </a:r>
           </a:p>
         </p:txBody>
       </p:sp>
-      <p:sp>
-        <p:nvSpPr>
-          <p:cNvPr id="5" name="Text Placeholder 2">
-            <a:extLst>
-              <a:ext uri="{FF2B5EF4-FFF2-40B4-BE49-F238E27FC236}">
-                <a16:creationId xmlns:a16="http://schemas.microsoft.com/office/drawing/2014/main" id="{8AD54B30-F012-4D28-82A2-4C7277CF474A}"/>
-              </a:ext>
-            </a:extLst>
-          </p:cNvPr>
-          <p:cNvSpPr>
-            <a:spLocks noGrp="1"/>
-          </p:cNvSpPr>
-          <p:nvPr>
-            <p:ph type="body" idx="1"/>
-          </p:nvPr>
-        </p:nvSpPr>
+      <p:pic>
+        <p:nvPicPr>
+          <p:cNvPr id="6" name="Picture 5">
+            <a:extLst>
+              <a:ext uri="{FF2B5EF4-FFF2-40B4-BE49-F238E27FC236}">
+                <a16:creationId xmlns:a16="http://schemas.microsoft.com/office/drawing/2014/main" id="{2FD2D715-82AF-4B97-B752-9E07CD76833A}"/>
+              </a:ext>
+            </a:extLst>
+          </p:cNvPr>
+          <p:cNvPicPr>
+            <a:picLocks noChangeAspect="1"/>
+          </p:cNvPicPr>
+          <p:nvPr/>
+        </p:nvPicPr>
+        <p:blipFill>
+          <a:blip r:embed="rId2"/>
+          <a:stretch>
+            <a:fillRect/>
+          </a:stretch>
+        </p:blipFill>
         <p:spPr>
           <a:xfrm>
-            <a:off x="711929" y="2070938"/>
-            <a:ext cx="10635521" cy="4079696"/>
-          </a:xfrm>
-        </p:spPr>
-        <p:txBody>
-          <a:bodyPr/>
-          <a:lstStyle/>
-          <a:p>
-            <a:pPr marL="342900" indent="-342900">
-              <a:buFont typeface="Arial" panose="020B0604020202020204" pitchFamily="34" charset="0"/>
-              <a:buChar char="•"/>
-            </a:pPr>
-            <a:r>
-              <a:rPr lang="en-US" dirty="0">
-                <a:solidFill>
-                  <a:schemeClr val="tx2"/>
-                </a:solidFill>
-              </a:rPr>
-              <a:t>Evidence of change in marijuana sales trend before and after Covid-19 lockdowns at the Colorado Level</a:t>
-            </a:r>
-          </a:p>
-          <a:p>
-            <a:pPr marL="342900" indent="-342900">
-              <a:buFont typeface="Arial" panose="020B0604020202020204" pitchFamily="34" charset="0"/>
-              <a:buChar char="•"/>
-            </a:pPr>
-            <a:r>
-              <a:rPr lang="en-US" dirty="0">
-                <a:solidFill>
-                  <a:schemeClr val="tx2"/>
-                </a:solidFill>
-              </a:rPr>
-              <a:t>Lockdowns due to Covid-19 show more possible correlation to a deviation in marijuana sales trends than the actual cases of Covid do</a:t>
-            </a:r>
-          </a:p>
-          <a:p>
-            <a:pPr marL="342900" indent="-342900">
-              <a:buFont typeface="Arial" panose="020B0604020202020204" pitchFamily="34" charset="0"/>
-              <a:buChar char="•"/>
-            </a:pPr>
-            <a:r>
-              <a:rPr lang="en-US" dirty="0">
-                <a:solidFill>
-                  <a:schemeClr val="tx2"/>
-                </a:solidFill>
-              </a:rPr>
-              <a:t>Not all Counties show evidence of an increase in Marijuana Sales, though the most populous do contributing to overall increase in CO</a:t>
-            </a:r>
-          </a:p>
-          <a:p>
-            <a:pPr marL="342900" indent="-342900">
-              <a:buFont typeface="Arial" panose="020B0604020202020204" pitchFamily="34" charset="0"/>
-              <a:buChar char="•"/>
-            </a:pPr>
-            <a:r>
-              <a:rPr lang="en-US" dirty="0">
-                <a:solidFill>
-                  <a:schemeClr val="tx2"/>
-                </a:solidFill>
-              </a:rPr>
-              <a:t>Further research to determine the extent of the increase</a:t>
-            </a:r>
-          </a:p>
-        </p:txBody>
-      </p:sp>
+            <a:off x="4448175" y="1865528"/>
+            <a:ext cx="3295650" cy="4330484"/>
+          </a:xfrm>
+          <a:prstGeom prst="rect">
+            <a:avLst/>
+          </a:prstGeom>
+        </p:spPr>
+      </p:pic>
     </p:spTree>
     <p:extLst>
       <p:ext uri="{BB962C8B-B14F-4D97-AF65-F5344CB8AC3E}">
-        <p14:creationId xmlns:p14="http://schemas.microsoft.com/office/powerpoint/2010/main" val="3482310213"/>
+        <p14:creationId xmlns:p14="http://schemas.microsoft.com/office/powerpoint/2010/main" val="3789596858"/>
       </p:ext>
     </p:extLst>
   </p:cSld>
@@ -8974,7 +9282,7 @@
 </file>
 
 <file path=ppt/slides/slide17.xml><?xml version="1.0" encoding="utf-8"?>
-<p:sld xmlns:a="http://schemas.openxmlformats.org/drawingml/2006/main" xmlns:r="http://schemas.openxmlformats.org/officeDocument/2006/relationships" xmlns:p="http://schemas.openxmlformats.org/presentationml/2006/main">
+<p:sld xmlns:a="http://schemas.openxmlformats.org/drawingml/2006/main" xmlns:r="http://schemas.openxmlformats.org/officeDocument/2006/relationships" xmlns:p="http://schemas.openxmlformats.org/presentationml/2006/main" show="0">
   <p:cSld>
     <p:spTree>
       <p:nvGrpSpPr>
@@ -9008,22 +9316,24 @@
         </p:nvSpPr>
         <p:spPr/>
         <p:txBody>
-          <a:bodyPr/>
+          <a:bodyPr>
+            <a:normAutofit fontScale="90000"/>
+          </a:bodyPr>
           <a:lstStyle/>
           <a:p>
             <a:r>
               <a:rPr lang="en-US" dirty="0"/>
-              <a:t>Questions</a:t>
+              <a:t>Combined Linear Models over Retail Sales</a:t>
             </a:r>
           </a:p>
         </p:txBody>
       </p:sp>
       <p:pic>
         <p:nvPicPr>
-          <p:cNvPr id="6" name="Picture 5">
-            <a:extLst>
-              <a:ext uri="{FF2B5EF4-FFF2-40B4-BE49-F238E27FC236}">
-                <a16:creationId xmlns:a16="http://schemas.microsoft.com/office/drawing/2014/main" id="{2FD2D715-82AF-4B97-B752-9E07CD76833A}"/>
+          <p:cNvPr id="3" name="Picture 2">
+            <a:extLst>
+              <a:ext uri="{FF2B5EF4-FFF2-40B4-BE49-F238E27FC236}">
+                <a16:creationId xmlns:a16="http://schemas.microsoft.com/office/drawing/2014/main" id="{C1086B46-7103-4BD1-AE45-7B5022789954}"/>
               </a:ext>
             </a:extLst>
           </p:cNvPr>
@@ -9040,8 +9350,8 @@
         </p:blipFill>
         <p:spPr>
           <a:xfrm>
-            <a:off x="4448175" y="1865528"/>
-            <a:ext cx="3295650" cy="4330484"/>
+            <a:off x="711929" y="1848107"/>
+            <a:ext cx="7680669" cy="4740070"/>
           </a:xfrm>
           <a:prstGeom prst="rect">
             <a:avLst/>
@@ -9051,7 +9361,7 @@
     </p:spTree>
     <p:extLst>
       <p:ext uri="{BB962C8B-B14F-4D97-AF65-F5344CB8AC3E}">
-        <p14:creationId xmlns:p14="http://schemas.microsoft.com/office/powerpoint/2010/main" val="3789596858"/>
+        <p14:creationId xmlns:p14="http://schemas.microsoft.com/office/powerpoint/2010/main" val="3594593885"/>
       </p:ext>
     </p:extLst>
   </p:cSld>
@@ -9280,7 +9590,7 @@
                 <a:solidFill>
                   <a:schemeClr val="tx2"/>
                 </a:solidFill>
-                <a:hlinkClick r:id="rId2">
+                <a:hlinkClick r:id="rId3">
                   <a:extLst>
                     <a:ext uri="{A12FA001-AC4F-418D-AE19-62706E023703}">
                       <ahyp:hlinkClr xmlns:ahyp="http://schemas.microsoft.com/office/drawing/2018/hyperlinkcolor" val="tx"/>
@@ -9359,7 +9669,7 @@
                 <a:solidFill>
                   <a:schemeClr val="tx2"/>
                 </a:solidFill>
-                <a:hlinkClick r:id="rId3">
+                <a:hlinkClick r:id="rId4">
                   <a:extLst>
                     <a:ext uri="{A12FA001-AC4F-418D-AE19-62706E023703}">
                       <ahyp:hlinkClr xmlns:ahyp="http://schemas.microsoft.com/office/drawing/2018/hyperlinkcolor" val="tx"/>
@@ -9414,7 +9724,7 @@
                   <a:schemeClr val="tx2"/>
                 </a:solidFill>
               </a:rPr>
-              <a:t>Note: Marijuana dispensaries were classified as part of state’s Health Care Sector and allowed to remain open during lockdown orders</a:t>
+              <a:t>*Marijuana dispensaries were classified as part of state’s Health Care Sector and allowed to remain open during lockdown orders</a:t>
             </a:r>
           </a:p>
           <a:p>
@@ -9655,7 +9965,7 @@
           <a:p>
             <a:r>
               <a:rPr lang="en-US" dirty="0"/>
-              <a:t>Chow Test – </a:t>
+              <a:t>Chow Test </a:t>
             </a:r>
           </a:p>
         </p:txBody>
@@ -9684,7 +9994,7 @@
         </p:spPr>
         <p:txBody>
           <a:bodyPr>
-            <a:normAutofit lnSpcReduction="10000"/>
+            <a:normAutofit/>
           </a:bodyPr>
           <a:lstStyle/>
           <a:p>
@@ -9698,7 +10008,7 @@
                   <a:schemeClr val="tx2"/>
                 </a:solidFill>
               </a:rPr>
-              <a:t>Structural break in data between two or more regressions</a:t>
+              <a:t>Used to determine if there is a structural break in data linearity between two or more regressions in split data sets</a:t>
             </a:r>
           </a:p>
           <a:p>
@@ -9712,7 +10022,7 @@
                   <a:schemeClr val="tx2"/>
                 </a:solidFill>
               </a:rPr>
-              <a:t>Used to determine if there is a structural break in data linearity between two or more regressions in split data sets</a:t>
+              <a:t>Test if a single line or separate regression lines best fit the data</a:t>
             </a:r>
           </a:p>
           <a:p>
@@ -9726,7 +10036,7 @@
                   <a:schemeClr val="tx2"/>
                 </a:solidFill>
               </a:rPr>
-              <a:t>Test if single line or two separate regression lines best fit the data</a:t>
+              <a:t>Often used to analyze two different data sets to see if they can be pooled together</a:t>
             </a:r>
           </a:p>
           <a:p>
@@ -9740,7 +10050,7 @@
                   <a:schemeClr val="tx2"/>
                 </a:solidFill>
               </a:rPr>
-              <a:t>Often times used to analyze two different data sets to see if they can be pooled together</a:t>
+              <a:t>Commonly used in econometrics</a:t>
             </a:r>
           </a:p>
           <a:p>
@@ -9754,61 +10064,8 @@
                   <a:schemeClr val="tx2"/>
                 </a:solidFill>
               </a:rPr>
-              <a:t>Regression discontinuity</a:t>
-            </a:r>
-          </a:p>
-          <a:p>
-            <a:pPr marL="342900" indent="-342900">
-              <a:buFont typeface="Arial" panose="020B0604020202020204" pitchFamily="34" charset="0"/>
-              <a:buChar char="•"/>
-            </a:pPr>
-            <a:r>
-              <a:rPr lang="en-US" dirty="0">
-                <a:solidFill>
-                  <a:schemeClr val="tx2"/>
-                </a:solidFill>
-              </a:rPr>
-              <a:t>Commonly used in econometrics</a:t>
-            </a:r>
-          </a:p>
-          <a:p>
-            <a:pPr marL="342900" indent="-342900">
-              <a:buFont typeface="Arial" panose="020B0604020202020204" pitchFamily="34" charset="0"/>
-              <a:buChar char="•"/>
-            </a:pPr>
-            <a:r>
-              <a:rPr lang="en-US" dirty="0">
-                <a:solidFill>
-                  <a:schemeClr val="tx2"/>
-                </a:solidFill>
-              </a:rPr>
-              <a:t>Regression stability test</a:t>
-            </a:r>
-          </a:p>
-          <a:p>
-            <a:pPr marL="342900" indent="-342900">
-              <a:buFont typeface="Arial" panose="020B0604020202020204" pitchFamily="34" charset="0"/>
-              <a:buChar char="•"/>
-            </a:pPr>
-            <a:r>
-              <a:rPr lang="en-US" dirty="0">
-                <a:solidFill>
-                  <a:schemeClr val="tx2"/>
-                </a:solidFill>
-              </a:rPr>
-              <a:t>Returns p-value of regression stability</a:t>
-            </a:r>
-          </a:p>
-          <a:p>
-            <a:pPr marL="342900" indent="-342900">
-              <a:buFont typeface="Arial" panose="020B0604020202020204" pitchFamily="34" charset="0"/>
-              <a:buChar char="•"/>
-            </a:pPr>
-            <a:endParaRPr lang="en-US" dirty="0">
-              <a:solidFill>
-                <a:schemeClr val="tx2"/>
-              </a:solidFill>
-            </a:endParaRPr>
+              <a:t>Returns p-value indicating regression stability</a:t>
+            </a:r>
           </a:p>
           <a:p>
             <a:endParaRPr lang="en-US" dirty="0">
@@ -10147,6 +10404,97 @@
                       </p:childTnLst>
                     </p:cTn>
                   </p:par>
+                  <p:par>
+                    <p:cTn id="9" fill="hold">
+                      <p:stCondLst>
+                        <p:cond delay="indefinite"/>
+                      </p:stCondLst>
+                      <p:childTnLst>
+                        <p:par>
+                          <p:cTn id="10" fill="hold">
+                            <p:stCondLst>
+                              <p:cond delay="0"/>
+                            </p:stCondLst>
+                            <p:childTnLst>
+                              <p:par>
+                                <p:cTn id="11" presetID="2" presetClass="entr" presetSubtype="4" fill="hold" grpId="0" nodeType="clickEffect">
+                                  <p:stCondLst>
+                                    <p:cond delay="0"/>
+                                  </p:stCondLst>
+                                  <p:childTnLst>
+                                    <p:set>
+                                      <p:cBhvr>
+                                        <p:cTn id="12" dur="1" fill="hold">
+                                          <p:stCondLst>
+                                            <p:cond delay="0"/>
+                                          </p:stCondLst>
+                                        </p:cTn>
+                                        <p:tgtEl>
+                                          <p:spTgt spid="4"/>
+                                        </p:tgtEl>
+                                        <p:attrNameLst>
+                                          <p:attrName>style.visibility</p:attrName>
+                                        </p:attrNameLst>
+                                      </p:cBhvr>
+                                      <p:to>
+                                        <p:strVal val="visible"/>
+                                      </p:to>
+                                    </p:set>
+                                    <p:anim calcmode="lin" valueType="num">
+                                      <p:cBhvr additive="base">
+                                        <p:cTn id="13" dur="500" fill="hold"/>
+                                        <p:tgtEl>
+                                          <p:spTgt spid="4"/>
+                                        </p:tgtEl>
+                                        <p:attrNameLst>
+                                          <p:attrName>ppt_x</p:attrName>
+                                        </p:attrNameLst>
+                                      </p:cBhvr>
+                                      <p:tavLst>
+                                        <p:tav tm="0">
+                                          <p:val>
+                                            <p:strVal val="#ppt_x"/>
+                                          </p:val>
+                                        </p:tav>
+                                        <p:tav tm="100000">
+                                          <p:val>
+                                            <p:strVal val="#ppt_x"/>
+                                          </p:val>
+                                        </p:tav>
+                                      </p:tavLst>
+                                    </p:anim>
+                                    <p:anim calcmode="lin" valueType="num">
+                                      <p:cBhvr additive="base">
+                                        <p:cTn id="14" dur="500" fill="hold"/>
+                                        <p:tgtEl>
+                                          <p:spTgt spid="4"/>
+                                        </p:tgtEl>
+                                        <p:attrNameLst>
+                                          <p:attrName>ppt_y</p:attrName>
+                                        </p:attrNameLst>
+                                      </p:cBhvr>
+                                      <p:tavLst>
+                                        <p:tav tm="0">
+                                          <p:val>
+                                            <p:strVal val="1+#ppt_h/2"/>
+                                          </p:val>
+                                        </p:tav>
+                                        <p:tav tm="100000">
+                                          <p:val>
+                                            <p:strVal val="#ppt_y"/>
+                                          </p:val>
+                                        </p:tav>
+                                      </p:tavLst>
+                                    </p:anim>
+                                  </p:childTnLst>
+                                </p:cTn>
+                              </p:par>
+                            </p:childTnLst>
+                          </p:cTn>
+                        </p:par>
+                      </p:childTnLst>
+                    </p:cTn>
+                  </p:par>
                 </p:childTnLst>
               </p:cTn>
               <p:prevCondLst>
@@ -10168,6 +10516,9 @@
         </p:cTn>
       </p:par>
     </p:tnLst>
+    <p:bldLst>
+      <p:bldP spid="4" grpId="0"/>
+    </p:bldLst>
   </p:timing>
 </p:sld>
 </file>
@@ -10194,7 +10545,7 @@
           <p:cNvPr id="2" name="Title 1">
             <a:extLst>
               <a:ext uri="{FF2B5EF4-FFF2-40B4-BE49-F238E27FC236}">
-                <a16:creationId xmlns:a16="http://schemas.microsoft.com/office/drawing/2014/main" id="{D75A4DC4-B69B-DC4C-A6FA-BC4335D7B9E5}"/>
+                <a16:creationId xmlns:a16="http://schemas.microsoft.com/office/drawing/2014/main" id="{7766056C-4DB3-4360-A405-3E7BC3C6EFB7}"/>
               </a:ext>
             </a:extLst>
           </p:cNvPr>
@@ -10212,17 +10563,17 @@
           <a:p>
             <a:r>
               <a:rPr lang="en-US" dirty="0"/>
-              <a:t>Sales with Lockdown Marker</a:t>
+              <a:t>County Level Data</a:t>
             </a:r>
           </a:p>
         </p:txBody>
       </p:sp>
       <p:pic>
         <p:nvPicPr>
-          <p:cNvPr id="2052" name="Picture 4">
-            <a:extLst>
-              <a:ext uri="{FF2B5EF4-FFF2-40B4-BE49-F238E27FC236}">
-                <a16:creationId xmlns:a16="http://schemas.microsoft.com/office/drawing/2014/main" id="{30068BE6-66F7-4A3C-9F73-AF005D1D79C6}"/>
+          <p:cNvPr id="7170" name="Picture 2">
+            <a:extLst>
+              <a:ext uri="{FF2B5EF4-FFF2-40B4-BE49-F238E27FC236}">
+                <a16:creationId xmlns:a16="http://schemas.microsoft.com/office/drawing/2014/main" id="{B9316A03-18A7-4576-9BF0-3FDF216FCB99}"/>
               </a:ext>
             </a:extLst>
           </p:cNvPr>
@@ -10246,8 +10597,8 @@
         </p:blipFill>
         <p:spPr bwMode="auto">
           <a:xfrm>
-            <a:off x="3087624" y="2048256"/>
-            <a:ext cx="5914339" cy="4224528"/>
+            <a:off x="351739" y="1844388"/>
+            <a:ext cx="3188818" cy="2277727"/>
           </a:xfrm>
           <a:prstGeom prst="rect">
             <a:avLst/>
@@ -10264,10 +10615,565 @@
           </a:extLst>
         </p:spPr>
       </p:pic>
+      <p:pic>
+        <p:nvPicPr>
+          <p:cNvPr id="7172" name="Picture 4">
+            <a:extLst>
+              <a:ext uri="{FF2B5EF4-FFF2-40B4-BE49-F238E27FC236}">
+                <a16:creationId xmlns:a16="http://schemas.microsoft.com/office/drawing/2014/main" id="{BAFCD10D-65DD-4D1D-801B-068FB351AC4C}"/>
+              </a:ext>
+            </a:extLst>
+          </p:cNvPr>
+          <p:cNvPicPr>
+            <a:picLocks noChangeAspect="1" noChangeArrowheads="1"/>
+          </p:cNvPicPr>
+          <p:nvPr/>
+        </p:nvPicPr>
+        <p:blipFill>
+          <a:blip r:embed="rId3">
+            <a:extLst>
+              <a:ext uri="{28A0092B-C50C-407E-A947-70E740481C1C}">
+                <a14:useLocalDpi xmlns:a14="http://schemas.microsoft.com/office/drawing/2010/main" val="0"/>
+              </a:ext>
+            </a:extLst>
+          </a:blip>
+          <a:srcRect/>
+          <a:stretch>
+            <a:fillRect/>
+          </a:stretch>
+        </p:blipFill>
+        <p:spPr bwMode="auto">
+          <a:xfrm>
+            <a:off x="454150" y="4383076"/>
+            <a:ext cx="3188818" cy="2277728"/>
+          </a:xfrm>
+          <a:prstGeom prst="rect">
+            <a:avLst/>
+          </a:prstGeom>
+          <a:noFill/>
+          <a:extLst>
+            <a:ext uri="{909E8E84-426E-40DD-AFC4-6F175D3DCCD1}">
+              <a14:hiddenFill xmlns:a14="http://schemas.microsoft.com/office/drawing/2010/main">
+                <a:solidFill>
+                  <a:srgbClr val="FFFFFF"/>
+                </a:solidFill>
+              </a14:hiddenFill>
+            </a:ext>
+          </a:extLst>
+        </p:spPr>
+      </p:pic>
+      <p:pic>
+        <p:nvPicPr>
+          <p:cNvPr id="7174" name="Picture 6">
+            <a:extLst>
+              <a:ext uri="{FF2B5EF4-FFF2-40B4-BE49-F238E27FC236}">
+                <a16:creationId xmlns:a16="http://schemas.microsoft.com/office/drawing/2014/main" id="{EB6C0988-CD68-418E-9788-D584480891FF}"/>
+              </a:ext>
+            </a:extLst>
+          </p:cNvPr>
+          <p:cNvPicPr>
+            <a:picLocks noChangeAspect="1" noChangeArrowheads="1"/>
+          </p:cNvPicPr>
+          <p:nvPr/>
+        </p:nvPicPr>
+        <p:blipFill>
+          <a:blip r:embed="rId4">
+            <a:extLst>
+              <a:ext uri="{28A0092B-C50C-407E-A947-70E740481C1C}">
+                <a14:useLocalDpi xmlns:a14="http://schemas.microsoft.com/office/drawing/2010/main" val="0"/>
+              </a:ext>
+            </a:extLst>
+          </a:blip>
+          <a:srcRect/>
+          <a:stretch>
+            <a:fillRect/>
+          </a:stretch>
+        </p:blipFill>
+        <p:spPr bwMode="auto">
+          <a:xfrm>
+            <a:off x="3936186" y="1792225"/>
+            <a:ext cx="3305862" cy="2361330"/>
+          </a:xfrm>
+          <a:prstGeom prst="rect">
+            <a:avLst/>
+          </a:prstGeom>
+          <a:noFill/>
+          <a:extLst>
+            <a:ext uri="{909E8E84-426E-40DD-AFC4-6F175D3DCCD1}">
+              <a14:hiddenFill xmlns:a14="http://schemas.microsoft.com/office/drawing/2010/main">
+                <a:solidFill>
+                  <a:srgbClr val="FFFFFF"/>
+                </a:solidFill>
+              </a14:hiddenFill>
+            </a:ext>
+          </a:extLst>
+        </p:spPr>
+      </p:pic>
+      <p:pic>
+        <p:nvPicPr>
+          <p:cNvPr id="7176" name="Picture 8">
+            <a:extLst>
+              <a:ext uri="{FF2B5EF4-FFF2-40B4-BE49-F238E27FC236}">
+                <a16:creationId xmlns:a16="http://schemas.microsoft.com/office/drawing/2014/main" id="{421C9579-530F-4FA3-A06B-563BA487D37D}"/>
+              </a:ext>
+            </a:extLst>
+          </p:cNvPr>
+          <p:cNvPicPr>
+            <a:picLocks noChangeAspect="1" noChangeArrowheads="1"/>
+          </p:cNvPicPr>
+          <p:nvPr/>
+        </p:nvPicPr>
+        <p:blipFill>
+          <a:blip r:embed="rId5">
+            <a:extLst>
+              <a:ext uri="{28A0092B-C50C-407E-A947-70E740481C1C}">
+                <a14:useLocalDpi xmlns:a14="http://schemas.microsoft.com/office/drawing/2010/main" val="0"/>
+              </a:ext>
+            </a:extLst>
+          </a:blip>
+          <a:srcRect/>
+          <a:stretch>
+            <a:fillRect/>
+          </a:stretch>
+        </p:blipFill>
+        <p:spPr bwMode="auto">
+          <a:xfrm>
+            <a:off x="3884980" y="4304698"/>
+            <a:ext cx="3357068" cy="2397906"/>
+          </a:xfrm>
+          <a:prstGeom prst="rect">
+            <a:avLst/>
+          </a:prstGeom>
+          <a:noFill/>
+          <a:extLst>
+            <a:ext uri="{909E8E84-426E-40DD-AFC4-6F175D3DCCD1}">
+              <a14:hiddenFill xmlns:a14="http://schemas.microsoft.com/office/drawing/2010/main">
+                <a:solidFill>
+                  <a:srgbClr val="FFFFFF"/>
+                </a:solidFill>
+              </a14:hiddenFill>
+            </a:ext>
+          </a:extLst>
+        </p:spPr>
+      </p:pic>
+      <p:sp>
+        <p:nvSpPr>
+          <p:cNvPr id="10" name="TextBox 9">
+            <a:extLst>
+              <a:ext uri="{FF2B5EF4-FFF2-40B4-BE49-F238E27FC236}">
+                <a16:creationId xmlns:a16="http://schemas.microsoft.com/office/drawing/2014/main" id="{4E3F16FD-41C5-45D3-B074-33822613A53E}"/>
+              </a:ext>
+            </a:extLst>
+          </p:cNvPr>
+          <p:cNvSpPr txBox="1"/>
+          <p:nvPr/>
+        </p:nvSpPr>
+        <p:spPr>
+          <a:xfrm>
+            <a:off x="7242049" y="1673208"/>
+            <a:ext cx="2282341" cy="5262979"/>
+          </a:xfrm>
+          <a:prstGeom prst="rect">
+            <a:avLst/>
+          </a:prstGeom>
+          <a:noFill/>
+        </p:spPr>
+        <p:txBody>
+          <a:bodyPr wrap="square">
+            <a:spAutoFit/>
+          </a:bodyPr>
+          <a:lstStyle/>
+          <a:p>
+            <a:r>
+              <a:rPr lang="en-US" sz="800" dirty="0"/>
+              <a:t>## County </a:t>
+            </a:r>
+            <a:r>
+              <a:rPr lang="en-US" sz="800" dirty="0" err="1"/>
+              <a:t>DataPoints</a:t>
+            </a:r>
+            <a:r>
+              <a:rPr lang="en-US" sz="800" dirty="0"/>
+              <a:t> </a:t>
+            </a:r>
+            <a:r>
+              <a:rPr lang="en-US" sz="800" dirty="0" err="1"/>
+              <a:t>PValue</a:t>
+            </a:r>
+            <a:r>
+              <a:rPr lang="en-US" sz="800" dirty="0"/>
+              <a:t> </a:t>
+            </a:r>
+            <a:r>
+              <a:rPr lang="en-US" sz="800" dirty="0" err="1"/>
+              <a:t>Reject_Null</a:t>
+            </a:r>
+            <a:endParaRPr lang="en-US" sz="800" dirty="0"/>
+          </a:p>
+          <a:p>
+            <a:r>
+              <a:rPr lang="en-US" sz="800" dirty="0"/>
+              <a:t>## 1 Adams 77 4.810252e-11 TRUE</a:t>
+            </a:r>
+          </a:p>
+          <a:p>
+            <a:r>
+              <a:rPr lang="en-US" sz="800" dirty="0"/>
+              <a:t>## 2 Arapahoe 79 1.010971e-01 FALSE</a:t>
+            </a:r>
+          </a:p>
+          <a:p>
+            <a:r>
+              <a:rPr lang="en-US" sz="800" dirty="0"/>
+              <a:t>## 3 Archuleta 51 4.137149e-04 TRUE</a:t>
+            </a:r>
+          </a:p>
+          <a:p>
+            <a:r>
+              <a:rPr lang="en-US" sz="800" dirty="0"/>
+              <a:t>## 4 Bent 5 NA </a:t>
+            </a:r>
+            <a:r>
+              <a:rPr lang="en-US" sz="800" dirty="0" err="1"/>
+              <a:t>NA</a:t>
+            </a:r>
+            <a:endParaRPr lang="en-US" sz="800" dirty="0"/>
+          </a:p>
+          <a:p>
+            <a:r>
+              <a:rPr lang="en-US" sz="800" dirty="0"/>
+              <a:t>## 5 Boulder 87 1.094066e-02 TRUE</a:t>
+            </a:r>
+          </a:p>
+          <a:p>
+            <a:r>
+              <a:rPr lang="en-US" sz="800" dirty="0"/>
+              <a:t>## 6 Chaffee 61 3.433096e-01 FALSE</a:t>
+            </a:r>
+          </a:p>
+          <a:p>
+            <a:r>
+              <a:rPr lang="en-US" sz="800" dirty="0"/>
+              <a:t>## 7 </a:t>
+            </a:r>
+            <a:r>
+              <a:rPr lang="en-US" sz="800" dirty="0" err="1"/>
+              <a:t>Clear.Creek</a:t>
+            </a:r>
+            <a:r>
+              <a:rPr lang="en-US" sz="800" dirty="0"/>
+              <a:t> 89 7.132070e-02 FALSE</a:t>
+            </a:r>
+          </a:p>
+          <a:p>
+            <a:r>
+              <a:rPr lang="en-US" sz="800" dirty="0"/>
+              <a:t>## 8 Conejos 42 2.240083e-02 TRUE</a:t>
+            </a:r>
+          </a:p>
+          <a:p>
+            <a:r>
+              <a:rPr lang="en-US" sz="800" dirty="0"/>
+              <a:t>## 9 Costilla 64 2.220447e-05 TRUE</a:t>
+            </a:r>
+          </a:p>
+          <a:p>
+            <a:r>
+              <a:rPr lang="en-US" sz="800" dirty="0"/>
+              <a:t>## 10 Crowley 0 NA </a:t>
+            </a:r>
+            <a:r>
+              <a:rPr lang="en-US" sz="800" dirty="0" err="1"/>
+              <a:t>NA</a:t>
+            </a:r>
+            <a:endParaRPr lang="en-US" sz="800" dirty="0"/>
+          </a:p>
+          <a:p>
+            <a:r>
+              <a:rPr lang="en-US" sz="800" dirty="0"/>
+              <a:t>## 11 Denver 89 1.412168e-01 FALSE</a:t>
+            </a:r>
+          </a:p>
+          <a:p>
+            <a:r>
+              <a:rPr lang="en-US" sz="800" dirty="0"/>
+              <a:t>## 12 Eagle 82 4.507621e-01 FALSE</a:t>
+            </a:r>
+          </a:p>
+          <a:p>
+            <a:r>
+              <a:rPr lang="en-US" sz="800" dirty="0"/>
+              <a:t>## 13 </a:t>
+            </a:r>
+            <a:r>
+              <a:rPr lang="en-US" sz="800" dirty="0" err="1"/>
+              <a:t>El.Paso</a:t>
+            </a:r>
+            <a:r>
+              <a:rPr lang="en-US" sz="800" dirty="0"/>
+              <a:t> 0 NA </a:t>
+            </a:r>
+            <a:r>
+              <a:rPr lang="en-US" sz="800" dirty="0" err="1"/>
+              <a:t>NA</a:t>
+            </a:r>
+            <a:endParaRPr lang="en-US" sz="800" dirty="0"/>
+          </a:p>
+          <a:p>
+            <a:r>
+              <a:rPr lang="en-US" sz="800" dirty="0"/>
+              <a:t>## 14 Garfield 85 2.785385e-01 FALSE</a:t>
+            </a:r>
+          </a:p>
+          <a:p>
+            <a:r>
+              <a:rPr lang="en-US" sz="800" dirty="0"/>
+              <a:t>## 15 Gilpin 86 3.602572e-01 FALSE</a:t>
+            </a:r>
+          </a:p>
+          <a:p>
+            <a:r>
+              <a:rPr lang="en-US" sz="800" dirty="0"/>
+              <a:t>## 16 Grand 69 7.255423e-01 FALSE</a:t>
+            </a:r>
+          </a:p>
+          <a:p>
+            <a:r>
+              <a:rPr lang="en-US" sz="800" dirty="0"/>
+              <a:t>## 17 Gunnison 81 4.588904e-01 FALSE</a:t>
+            </a:r>
+          </a:p>
+          <a:p>
+            <a:r>
+              <a:rPr lang="en-US" sz="800" dirty="0"/>
+              <a:t>## 18 Huerfano 26 1.008087e-01 FALSE</a:t>
+            </a:r>
+          </a:p>
+          <a:p>
+            <a:r>
+              <a:rPr lang="en-US" sz="800" dirty="0"/>
+              <a:t>## 19 Jefferson 89 8.945739e-01 FALSE</a:t>
+            </a:r>
+          </a:p>
+          <a:p>
+            <a:r>
+              <a:rPr lang="en-US" sz="800" dirty="0"/>
+              <a:t>## 20 Lake 45 8.549919e-02 FALSE</a:t>
+            </a:r>
+          </a:p>
+          <a:p>
+            <a:r>
+              <a:rPr lang="en-US" sz="800" dirty="0"/>
+              <a:t>## 21 </a:t>
+            </a:r>
+            <a:r>
+              <a:rPr lang="en-US" sz="800" dirty="0" err="1"/>
+              <a:t>La.Plata</a:t>
+            </a:r>
+            <a:r>
+              <a:rPr lang="en-US" sz="800" dirty="0"/>
+              <a:t> 79 1.091498e-06 TRUE</a:t>
+            </a:r>
+          </a:p>
+          <a:p>
+            <a:r>
+              <a:rPr lang="en-US" sz="800" dirty="0"/>
+              <a:t>## 22 Larimer 83 1.102853e-02 TRUE</a:t>
+            </a:r>
+          </a:p>
+          <a:p>
+            <a:r>
+              <a:rPr lang="en-US" sz="800" dirty="0"/>
+              <a:t>## 23 </a:t>
+            </a:r>
+            <a:r>
+              <a:rPr lang="en-US" sz="800" dirty="0" err="1"/>
+              <a:t>Las.Animas</a:t>
+            </a:r>
+            <a:r>
+              <a:rPr lang="en-US" sz="800" dirty="0"/>
+              <a:t> 77 4.864853e-02 TRUE</a:t>
+            </a:r>
+          </a:p>
+          <a:p>
+            <a:r>
+              <a:rPr lang="en-US" sz="800" dirty="0"/>
+              <a:t>## 24 Mesa 45 6.823595e-03 TRUE</a:t>
+            </a:r>
+          </a:p>
+          <a:p>
+            <a:r>
+              <a:rPr lang="en-US" sz="800" dirty="0"/>
+              <a:t>## 25 Moffat 29 1.740382e-03 TRUE</a:t>
+            </a:r>
+          </a:p>
+          <a:p>
+            <a:r>
+              <a:rPr lang="en-US" sz="800" dirty="0"/>
+              <a:t>## 26 Montezuma 76 1.074009e-01 FALSE</a:t>
+            </a:r>
+          </a:p>
+          <a:p>
+            <a:r>
+              <a:rPr lang="en-US" sz="800" dirty="0"/>
+              <a:t>## 27 Montrose 0 NA </a:t>
+            </a:r>
+            <a:r>
+              <a:rPr lang="en-US" sz="800" dirty="0" err="1"/>
+              <a:t>NA</a:t>
+            </a:r>
+            <a:endParaRPr lang="en-US" sz="800" dirty="0"/>
+          </a:p>
+          <a:p>
+            <a:r>
+              <a:rPr lang="en-US" sz="800" dirty="0"/>
+              <a:t>## 28 Morgan 52 4.277714e-04 TRUE</a:t>
+            </a:r>
+          </a:p>
+          <a:p>
+            <a:r>
+              <a:rPr lang="en-US" sz="800" dirty="0"/>
+              <a:t>## 29 Otero 14 NA </a:t>
+            </a:r>
+            <a:r>
+              <a:rPr lang="en-US" sz="800" dirty="0" err="1"/>
+              <a:t>NA</a:t>
+            </a:r>
+            <a:endParaRPr lang="en-US" sz="800" dirty="0"/>
+          </a:p>
+          <a:p>
+            <a:r>
+              <a:rPr lang="en-US" sz="800" dirty="0"/>
+              <a:t>## 30 Ouray 50 1.464512e-01 FALSE</a:t>
+            </a:r>
+          </a:p>
+          <a:p>
+            <a:r>
+              <a:rPr lang="en-US" sz="800" dirty="0"/>
+              <a:t>## 31 Park 75 4.088663e-06 TRUE</a:t>
+            </a:r>
+          </a:p>
+          <a:p>
+            <a:r>
+              <a:rPr lang="en-US" sz="800" dirty="0"/>
+              <a:t>## 32 Pitkin 86 1.783652e-01 FALSE</a:t>
+            </a:r>
+          </a:p>
+          <a:p>
+            <a:r>
+              <a:rPr lang="en-US" sz="800" dirty="0"/>
+              <a:t>## 33 Pueblo 89 2.058353e-13 TRUE</a:t>
+            </a:r>
+          </a:p>
+          <a:p>
+            <a:r>
+              <a:rPr lang="en-US" sz="800" dirty="0"/>
+              <a:t>## 34 Routt 76 1.851871e-02 TRUE</a:t>
+            </a:r>
+          </a:p>
+          <a:p>
+            <a:r>
+              <a:rPr lang="en-US" sz="800" dirty="0"/>
+              <a:t>## 35 Saguache 45 2.355935e-03 TRUE</a:t>
+            </a:r>
+          </a:p>
+          <a:p>
+            <a:r>
+              <a:rPr lang="en-US" sz="800" dirty="0"/>
+              <a:t>## 36 </a:t>
+            </a:r>
+            <a:r>
+              <a:rPr lang="en-US" sz="800" dirty="0" err="1"/>
+              <a:t>San.Juan</a:t>
+            </a:r>
+            <a:r>
+              <a:rPr lang="en-US" sz="800" dirty="0"/>
+              <a:t> 9 NA </a:t>
+            </a:r>
+            <a:r>
+              <a:rPr lang="en-US" sz="800" dirty="0" err="1"/>
+              <a:t>NA</a:t>
+            </a:r>
+            <a:endParaRPr lang="en-US" sz="800" dirty="0"/>
+          </a:p>
+          <a:p>
+            <a:r>
+              <a:rPr lang="en-US" sz="800" dirty="0"/>
+              <a:t>## 37 </a:t>
+            </a:r>
+            <a:r>
+              <a:rPr lang="en-US" sz="800" dirty="0" err="1"/>
+              <a:t>San.Miguel</a:t>
+            </a:r>
+            <a:r>
+              <a:rPr lang="en-US" sz="800" dirty="0"/>
+              <a:t> 88 8.964043e-01 FALSE</a:t>
+            </a:r>
+          </a:p>
+          <a:p>
+            <a:r>
+              <a:rPr lang="en-US" sz="800" dirty="0"/>
+              <a:t>## 38 Sedgwick 8 NA </a:t>
+            </a:r>
+            <a:r>
+              <a:rPr lang="en-US" sz="800" dirty="0" err="1"/>
+              <a:t>NA</a:t>
+            </a:r>
+            <a:endParaRPr lang="en-US" sz="800" dirty="0"/>
+          </a:p>
+          <a:p>
+            <a:r>
+              <a:rPr lang="en-US" sz="800" dirty="0"/>
+              <a:t>## 39 Summit 89 1.240698e-01 FALSE</a:t>
+            </a:r>
+          </a:p>
+          <a:p>
+            <a:r>
+              <a:rPr lang="en-US" sz="800" dirty="0"/>
+              <a:t>## 40 Weld 86 7.515368e-01 FALSE</a:t>
+            </a:r>
+          </a:p>
+        </p:txBody>
+      </p:sp>
+      <p:sp>
+        <p:nvSpPr>
+          <p:cNvPr id="6" name="TextBox 5">
+            <a:extLst>
+              <a:ext uri="{FF2B5EF4-FFF2-40B4-BE49-F238E27FC236}">
+                <a16:creationId xmlns:a16="http://schemas.microsoft.com/office/drawing/2014/main" id="{3582C93D-AA7A-47F1-B5B7-A8E6368C59C6}"/>
+              </a:ext>
+            </a:extLst>
+          </p:cNvPr>
+          <p:cNvSpPr txBox="1"/>
+          <p:nvPr/>
+        </p:nvSpPr>
+        <p:spPr>
+          <a:xfrm>
+            <a:off x="9348825" y="2194560"/>
+            <a:ext cx="1878703" cy="1477328"/>
+          </a:xfrm>
+          <a:prstGeom prst="rect">
+            <a:avLst/>
+          </a:prstGeom>
+          <a:noFill/>
+        </p:spPr>
+        <p:txBody>
+          <a:bodyPr wrap="square" rtlCol="0">
+            <a:spAutoFit/>
+          </a:bodyPr>
+          <a:lstStyle/>
+          <a:p>
+            <a:r>
+              <a:rPr lang="en-US" dirty="0"/>
+              <a:t>14 Counties show evidence of increased Marijuana Sales after March 2020</a:t>
+            </a:r>
+          </a:p>
+        </p:txBody>
+      </p:sp>
     </p:spTree>
     <p:extLst>
       <p:ext uri="{BB962C8B-B14F-4D97-AF65-F5344CB8AC3E}">
-        <p14:creationId xmlns:p14="http://schemas.microsoft.com/office/powerpoint/2010/main" val="2119741076"/>
+        <p14:creationId xmlns:p14="http://schemas.microsoft.com/office/powerpoint/2010/main" val="4212006372"/>
       </p:ext>
     </p:extLst>
   </p:cSld>
@@ -10317,64 +11223,17 @@
           <a:p>
             <a:r>
               <a:rPr lang="en-US" dirty="0"/>
-              <a:t>Linear Model over Retail Sales</a:t>
-            </a:r>
-          </a:p>
-        </p:txBody>
-      </p:sp>
-      <p:sp>
-        <p:nvSpPr>
-          <p:cNvPr id="4" name="Text Placeholder 3">
-            <a:extLst>
-              <a:ext uri="{FF2B5EF4-FFF2-40B4-BE49-F238E27FC236}">
-                <a16:creationId xmlns:a16="http://schemas.microsoft.com/office/drawing/2014/main" id="{1698A16C-8A37-7441-BB64-9C2A53F9F88F}"/>
-              </a:ext>
-            </a:extLst>
-          </p:cNvPr>
-          <p:cNvSpPr>
-            <a:spLocks noGrp="1"/>
-          </p:cNvSpPr>
-          <p:nvPr>
-            <p:ph type="body" idx="10"/>
-          </p:nvPr>
-        </p:nvSpPr>
-        <p:spPr>
-          <a:xfrm>
-            <a:off x="7753350" y="2070938"/>
-            <a:ext cx="3474179" cy="4079696"/>
-          </a:xfrm>
-        </p:spPr>
-        <p:txBody>
-          <a:bodyPr/>
-          <a:lstStyle/>
-          <a:p>
-            <a:r>
-              <a:rPr lang="en-US" dirty="0">
-                <a:solidFill>
-                  <a:schemeClr val="tx2"/>
-                </a:solidFill>
-              </a:rPr>
-              <a:t>Intercept: -820223093</a:t>
-            </a:r>
-          </a:p>
-          <a:p>
-            <a:r>
-              <a:rPr lang="en-US" dirty="0">
-                <a:solidFill>
-                  <a:schemeClr val="tx2"/>
-                </a:solidFill>
-              </a:rPr>
-              <a:t>Slope: 52281.5</a:t>
+              <a:t>Adjusted Retail Sales</a:t>
             </a:r>
           </a:p>
         </p:txBody>
       </p:sp>
       <p:pic>
         <p:nvPicPr>
-          <p:cNvPr id="3076" name="Picture 4">
-            <a:extLst>
-              <a:ext uri="{FF2B5EF4-FFF2-40B4-BE49-F238E27FC236}">
-                <a16:creationId xmlns:a16="http://schemas.microsoft.com/office/drawing/2014/main" id="{F6CF6E8D-D808-49C1-82FD-B84E61AE200F}"/>
+          <p:cNvPr id="2052" name="Picture 4">
+            <a:extLst>
+              <a:ext uri="{FF2B5EF4-FFF2-40B4-BE49-F238E27FC236}">
+                <a16:creationId xmlns:a16="http://schemas.microsoft.com/office/drawing/2014/main" id="{30068BE6-66F7-4A3C-9F73-AF005D1D79C6}"/>
               </a:ext>
             </a:extLst>
           </p:cNvPr>
@@ -10384,7 +11243,7 @@
           <p:nvPr/>
         </p:nvPicPr>
         <p:blipFill>
-          <a:blip r:embed="rId2">
+          <a:blip r:embed="rId3">
             <a:extLst>
               <a:ext uri="{28A0092B-C50C-407E-A947-70E740481C1C}">
                 <a14:useLocalDpi xmlns:a14="http://schemas.microsoft.com/office/drawing/2010/main" val="0"/>
@@ -10398,8 +11257,8 @@
         </p:blipFill>
         <p:spPr bwMode="auto">
           <a:xfrm>
-            <a:off x="351739" y="1770192"/>
-            <a:ext cx="7051243" cy="5036602"/>
+            <a:off x="711929" y="1772031"/>
+            <a:ext cx="6742604" cy="4816146"/>
           </a:xfrm>
           <a:prstGeom prst="rect">
             <a:avLst/>
@@ -10419,7 +11278,7 @@
     </p:spTree>
     <p:extLst>
       <p:ext uri="{BB962C8B-B14F-4D97-AF65-F5344CB8AC3E}">
-        <p14:creationId xmlns:p14="http://schemas.microsoft.com/office/powerpoint/2010/main" val="3012283082"/>
+        <p14:creationId xmlns:p14="http://schemas.microsoft.com/office/powerpoint/2010/main" val="2119741076"/>
       </p:ext>
     </p:extLst>
   </p:cSld>
